--- a/Broad ripple properties.pptx
+++ b/Broad ripple properties.pptx
@@ -5,10 +5,10 @@
     <p:sldMasterId id="2147483648" r:id="rId4"/>
   </p:sldMasterIdLst>
   <p:notesMasterIdLst>
-    <p:notesMasterId r:id="rId14"/>
+    <p:notesMasterId r:id="rId16"/>
   </p:notesMasterIdLst>
   <p:handoutMasterIdLst>
-    <p:handoutMasterId r:id="rId15"/>
+    <p:handoutMasterId r:id="rId17"/>
   </p:handoutMasterIdLst>
   <p:sldIdLst>
     <p:sldId id="257" r:id="rId5"/>
@@ -18,8 +18,10 @@
     <p:sldId id="273" r:id="rId9"/>
     <p:sldId id="277" r:id="rId10"/>
     <p:sldId id="266" r:id="rId11"/>
-    <p:sldId id="278" r:id="rId12"/>
-    <p:sldId id="276" r:id="rId13"/>
+    <p:sldId id="279" r:id="rId12"/>
+    <p:sldId id="280" r:id="rId13"/>
+    <p:sldId id="278" r:id="rId14"/>
+    <p:sldId id="276" r:id="rId15"/>
   </p:sldIdLst>
   <p:sldSz cx="12192000" cy="6858000"/>
   <p:notesSz cx="6858000" cy="9144000"/>
@@ -143,7 +145,7 @@
 <file path=ppt/revisionInfo.xml><?xml version="1.0" encoding="utf-8"?>
 <p1510:revInfo xmlns:a="http://schemas.openxmlformats.org/drawingml/2006/main" xmlns:r="http://schemas.openxmlformats.org/officeDocument/2006/relationships" xmlns:p1510="http://schemas.microsoft.com/office/powerpoint/2015/10/main">
   <p1510:revLst>
-    <p1510:client id="{5127C115-21A9-4CA8-886B-AB379375A793}" v="132" dt="2020-10-16T01:29:44.244"/>
+    <p1510:client id="{5127C115-21A9-4CA8-886B-AB379375A793}" v="134" dt="2020-10-16T20:09:56.277"/>
   </p1510:revLst>
 </p1510:revInfo>
 </file>
@@ -153,7 +155,7 @@
   <pc:docChgLst>
     <pc:chgData name="Nathan Prows" userId="f0c29e9a599ce1ae" providerId="LiveId" clId="{5127C115-21A9-4CA8-886B-AB379375A793}"/>
     <pc:docChg chg="undo redo custSel mod addSld delSld modSld sldOrd">
-      <pc:chgData name="Nathan Prows" userId="f0c29e9a599ce1ae" providerId="LiveId" clId="{5127C115-21A9-4CA8-886B-AB379375A793}" dt="2020-10-16T01:32:44.067" v="1663" actId="27636"/>
+      <pc:chgData name="Nathan Prows" userId="f0c29e9a599ce1ae" providerId="LiveId" clId="{5127C115-21A9-4CA8-886B-AB379375A793}" dt="2020-10-16T20:16:27.190" v="3278" actId="680"/>
       <pc:docMkLst>
         <pc:docMk/>
       </pc:docMkLst>
@@ -234,7 +236,7 @@
         </pc:picChg>
       </pc:sldChg>
       <pc:sldChg chg="addSp delSp modSp mod">
-        <pc:chgData name="Nathan Prows" userId="f0c29e9a599ce1ae" providerId="LiveId" clId="{5127C115-21A9-4CA8-886B-AB379375A793}" dt="2020-10-16T00:41:06.804" v="167" actId="20577"/>
+        <pc:chgData name="Nathan Prows" userId="f0c29e9a599ce1ae" providerId="LiveId" clId="{5127C115-21A9-4CA8-886B-AB379375A793}" dt="2020-10-16T19:47:12.906" v="1944" actId="20577"/>
         <pc:sldMkLst>
           <pc:docMk/>
           <pc:sldMk cId="3187533055" sldId="268"/>
@@ -248,7 +250,7 @@
           </ac:spMkLst>
         </pc:spChg>
         <pc:spChg chg="mod">
-          <ac:chgData name="Nathan Prows" userId="f0c29e9a599ce1ae" providerId="LiveId" clId="{5127C115-21A9-4CA8-886B-AB379375A793}" dt="2020-10-16T00:41:06.804" v="167" actId="20577"/>
+          <ac:chgData name="Nathan Prows" userId="f0c29e9a599ce1ae" providerId="LiveId" clId="{5127C115-21A9-4CA8-886B-AB379375A793}" dt="2020-10-16T19:47:12.906" v="1944" actId="20577"/>
           <ac:spMkLst>
             <pc:docMk/>
             <pc:sldMk cId="3187533055" sldId="268"/>
@@ -304,18 +306,34 @@
           </ac:picMkLst>
         </pc:picChg>
       </pc:sldChg>
-      <pc:sldChg chg="addSp delSp modSp mod">
-        <pc:chgData name="Nathan Prows" userId="f0c29e9a599ce1ae" providerId="LiveId" clId="{5127C115-21A9-4CA8-886B-AB379375A793}" dt="2020-10-16T00:43:29.792" v="200" actId="20577"/>
+      <pc:sldChg chg="addSp delSp modSp mod modClrScheme chgLayout">
+        <pc:chgData name="Nathan Prows" userId="f0c29e9a599ce1ae" providerId="LiveId" clId="{5127C115-21A9-4CA8-886B-AB379375A793}" dt="2020-10-16T20:08:53.597" v="2955" actId="26606"/>
         <pc:sldMkLst>
           <pc:docMk/>
           <pc:sldMk cId="433561355" sldId="269"/>
         </pc:sldMkLst>
-        <pc:spChg chg="mod">
-          <ac:chgData name="Nathan Prows" userId="f0c29e9a599ce1ae" providerId="LiveId" clId="{5127C115-21A9-4CA8-886B-AB379375A793}" dt="2020-10-16T00:43:29.792" v="200" actId="20577"/>
+        <pc:spChg chg="mod ord">
+          <ac:chgData name="Nathan Prows" userId="f0c29e9a599ce1ae" providerId="LiveId" clId="{5127C115-21A9-4CA8-886B-AB379375A793}" dt="2020-10-16T20:08:53.597" v="2955" actId="26606"/>
           <ac:spMkLst>
             <pc:docMk/>
             <pc:sldMk cId="433561355" sldId="269"/>
             <ac:spMk id="2" creationId="{E2C50832-0B36-43C5-98EC-4CD165D78718}"/>
+          </ac:spMkLst>
+        </pc:spChg>
+        <pc:spChg chg="mod ord">
+          <ac:chgData name="Nathan Prows" userId="f0c29e9a599ce1ae" providerId="LiveId" clId="{5127C115-21A9-4CA8-886B-AB379375A793}" dt="2020-10-16T20:08:53.597" v="2955" actId="26606"/>
+          <ac:spMkLst>
+            <pc:docMk/>
+            <pc:sldMk cId="433561355" sldId="269"/>
+            <ac:spMk id="3" creationId="{552A9C73-06ED-419B-81B5-491CBFC22330}"/>
+          </ac:spMkLst>
+        </pc:spChg>
+        <pc:spChg chg="mod ord modVis">
+          <ac:chgData name="Nathan Prows" userId="f0c29e9a599ce1ae" providerId="LiveId" clId="{5127C115-21A9-4CA8-886B-AB379375A793}" dt="2020-10-16T19:50:40.362" v="2200" actId="26606"/>
+          <ac:spMkLst>
+            <pc:docMk/>
+            <pc:sldMk cId="433561355" sldId="269"/>
+            <ac:spMk id="4" creationId="{3B5C6BAC-F3F8-4AA0-B332-02F663571328}"/>
           </ac:spMkLst>
         </pc:spChg>
         <pc:spChg chg="add del mod">
@@ -326,6 +344,46 @@
             <ac:spMk id="6" creationId="{F7C1241B-349A-4EF3-8DE5-E88A3E86E96B}"/>
           </ac:spMkLst>
         </pc:spChg>
+        <pc:spChg chg="add del mod">
+          <ac:chgData name="Nathan Prows" userId="f0c29e9a599ce1ae" providerId="LiveId" clId="{5127C115-21A9-4CA8-886B-AB379375A793}" dt="2020-10-16T19:50:27.590" v="2199" actId="26606"/>
+          <ac:spMkLst>
+            <pc:docMk/>
+            <pc:sldMk cId="433561355" sldId="269"/>
+            <ac:spMk id="71" creationId="{6460BE9D-9FDC-473C-8E70-A01EED8E04F4}"/>
+          </ac:spMkLst>
+        </pc:spChg>
+        <pc:spChg chg="add del mod">
+          <ac:chgData name="Nathan Prows" userId="f0c29e9a599ce1ae" providerId="LiveId" clId="{5127C115-21A9-4CA8-886B-AB379375A793}" dt="2020-10-16T19:50:27.590" v="2199" actId="26606"/>
+          <ac:spMkLst>
+            <pc:docMk/>
+            <pc:sldMk cId="433561355" sldId="269"/>
+            <ac:spMk id="73" creationId="{4CA31365-4249-4F93-A696-1796EA5595A8}"/>
+          </ac:spMkLst>
+        </pc:spChg>
+        <pc:spChg chg="add del mod">
+          <ac:chgData name="Nathan Prows" userId="f0c29e9a599ce1ae" providerId="LiveId" clId="{5127C115-21A9-4CA8-886B-AB379375A793}" dt="2020-10-16T19:50:27.590" v="2199" actId="26606"/>
+          <ac:spMkLst>
+            <pc:docMk/>
+            <pc:sldMk cId="433561355" sldId="269"/>
+            <ac:spMk id="75" creationId="{AD961B53-733B-4BE4-BB4C-C229E5CE3666}"/>
+          </ac:spMkLst>
+        </pc:spChg>
+        <pc:spChg chg="add del mod">
+          <ac:chgData name="Nathan Prows" userId="f0c29e9a599ce1ae" providerId="LiveId" clId="{5127C115-21A9-4CA8-886B-AB379375A793}" dt="2020-10-16T19:50:27.590" v="2199" actId="26606"/>
+          <ac:spMkLst>
+            <pc:docMk/>
+            <pc:sldMk cId="433561355" sldId="269"/>
+            <ac:spMk id="77" creationId="{EAE81E54-E5EE-45F2-A95E-E60117612092}"/>
+          </ac:spMkLst>
+        </pc:spChg>
+        <pc:spChg chg="add mod">
+          <ac:chgData name="Nathan Prows" userId="f0c29e9a599ce1ae" providerId="LiveId" clId="{5127C115-21A9-4CA8-886B-AB379375A793}" dt="2020-10-16T20:08:53.597" v="2955" actId="26606"/>
+          <ac:spMkLst>
+            <pc:docMk/>
+            <pc:sldMk cId="433561355" sldId="269"/>
+            <ac:spMk id="4100" creationId="{FBD6837D-BD50-4CC7-93F2-B6C0198E0828}"/>
+          </ac:spMkLst>
+        </pc:spChg>
         <pc:picChg chg="del">
           <ac:chgData name="Nathan Prows" userId="f0c29e9a599ce1ae" providerId="LiveId" clId="{5127C115-21A9-4CA8-886B-AB379375A793}" dt="2020-10-16T00:42:58.717" v="168" actId="478"/>
           <ac:picMkLst>
@@ -334,8 +392,8 @@
             <ac:picMk id="7" creationId="{A241642C-CB49-4AA1-9EAD-3BCEA280B5B6}"/>
           </ac:picMkLst>
         </pc:picChg>
-        <pc:picChg chg="add mod">
-          <ac:chgData name="Nathan Prows" userId="f0c29e9a599ce1ae" providerId="LiveId" clId="{5127C115-21A9-4CA8-886B-AB379375A793}" dt="2020-10-16T00:43:03.230" v="169"/>
+        <pc:picChg chg="add mod ord">
+          <ac:chgData name="Nathan Prows" userId="f0c29e9a599ce1ae" providerId="LiveId" clId="{5127C115-21A9-4CA8-886B-AB379375A793}" dt="2020-10-16T20:08:53.597" v="2955" actId="26606"/>
           <ac:picMkLst>
             <pc:docMk/>
             <pc:sldMk cId="433561355" sldId="269"/>
@@ -344,13 +402,13 @@
         </pc:picChg>
       </pc:sldChg>
       <pc:sldChg chg="addSp delSp modSp mod modClrScheme chgLayout">
-        <pc:chgData name="Nathan Prows" userId="f0c29e9a599ce1ae" providerId="LiveId" clId="{5127C115-21A9-4CA8-886B-AB379375A793}" dt="2020-10-16T00:45:46.480" v="247" actId="20577"/>
+        <pc:chgData name="Nathan Prows" userId="f0c29e9a599ce1ae" providerId="LiveId" clId="{5127C115-21A9-4CA8-886B-AB379375A793}" dt="2020-10-16T20:09:05.719" v="2956" actId="26606"/>
         <pc:sldMkLst>
           <pc:docMk/>
           <pc:sldMk cId="961730162" sldId="270"/>
         </pc:sldMkLst>
-        <pc:spChg chg="mod">
-          <ac:chgData name="Nathan Prows" userId="f0c29e9a599ce1ae" providerId="LiveId" clId="{5127C115-21A9-4CA8-886B-AB379375A793}" dt="2020-10-16T00:45:46.480" v="247" actId="20577"/>
+        <pc:spChg chg="mod ord">
+          <ac:chgData name="Nathan Prows" userId="f0c29e9a599ce1ae" providerId="LiveId" clId="{5127C115-21A9-4CA8-886B-AB379375A793}" dt="2020-10-16T20:09:05.719" v="2956" actId="26606"/>
           <ac:spMkLst>
             <pc:docMk/>
             <pc:sldMk cId="961730162" sldId="270"/>
@@ -358,7 +416,7 @@
           </ac:spMkLst>
         </pc:spChg>
         <pc:spChg chg="mod">
-          <ac:chgData name="Nathan Prows" userId="f0c29e9a599ce1ae" providerId="LiveId" clId="{5127C115-21A9-4CA8-886B-AB379375A793}" dt="2020-10-16T00:45:04.601" v="203" actId="26606"/>
+          <ac:chgData name="Nathan Prows" userId="f0c29e9a599ce1ae" providerId="LiveId" clId="{5127C115-21A9-4CA8-886B-AB379375A793}" dt="2020-10-16T20:09:05.719" v="2956" actId="26606"/>
           <ac:spMkLst>
             <pc:docMk/>
             <pc:sldMk cId="961730162" sldId="270"/>
@@ -366,7 +424,7 @@
           </ac:spMkLst>
         </pc:spChg>
         <pc:spChg chg="mod ord">
-          <ac:chgData name="Nathan Prows" userId="f0c29e9a599ce1ae" providerId="LiveId" clId="{5127C115-21A9-4CA8-886B-AB379375A793}" dt="2020-10-16T00:45:04.601" v="203" actId="26606"/>
+          <ac:chgData name="Nathan Prows" userId="f0c29e9a599ce1ae" providerId="LiveId" clId="{5127C115-21A9-4CA8-886B-AB379375A793}" dt="2020-10-16T20:09:05.719" v="2956" actId="26606"/>
           <ac:spMkLst>
             <pc:docMk/>
             <pc:sldMk cId="961730162" sldId="270"/>
@@ -390,7 +448,7 @@
           </ac:picMkLst>
         </pc:picChg>
         <pc:picChg chg="add mod">
-          <ac:chgData name="Nathan Prows" userId="f0c29e9a599ce1ae" providerId="LiveId" clId="{5127C115-21A9-4CA8-886B-AB379375A793}" dt="2020-10-16T00:45:04.601" v="203" actId="26606"/>
+          <ac:chgData name="Nathan Prows" userId="f0c29e9a599ce1ae" providerId="LiveId" clId="{5127C115-21A9-4CA8-886B-AB379375A793}" dt="2020-10-16T20:09:05.719" v="2956" actId="26606"/>
           <ac:picMkLst>
             <pc:docMk/>
             <pc:sldMk cId="961730162" sldId="270"/>
@@ -928,7 +986,7 @@
         </pc:picChg>
       </pc:sldChg>
       <pc:sldChg chg="addSp delSp modSp new mod ord">
-        <pc:chgData name="Nathan Prows" userId="f0c29e9a599ce1ae" providerId="LiveId" clId="{5127C115-21A9-4CA8-886B-AB379375A793}" dt="2020-10-16T01:31:29.784" v="1658" actId="1037"/>
+        <pc:chgData name="Nathan Prows" userId="f0c29e9a599ce1ae" providerId="LiveId" clId="{5127C115-21A9-4CA8-886B-AB379375A793}" dt="2020-10-16T20:01:50.957" v="2644" actId="20577"/>
         <pc:sldMkLst>
           <pc:docMk/>
           <pc:sldMk cId="1665494975" sldId="278"/>
@@ -1070,7 +1128,7 @@
           </ac:spMkLst>
         </pc:spChg>
         <pc:spChg chg="add del mod">
-          <ac:chgData name="Nathan Prows" userId="f0c29e9a599ce1ae" providerId="LiveId" clId="{5127C115-21A9-4CA8-886B-AB379375A793}" dt="2020-10-16T01:27:31.054" v="1560" actId="1038"/>
+          <ac:chgData name="Nathan Prows" userId="f0c29e9a599ce1ae" providerId="LiveId" clId="{5127C115-21A9-4CA8-886B-AB379375A793}" dt="2020-10-16T19:59:38.383" v="2455" actId="1076"/>
           <ac:spMkLst>
             <pc:docMk/>
             <pc:sldMk cId="1665494975" sldId="278"/>
@@ -1078,7 +1136,7 @@
           </ac:spMkLst>
         </pc:spChg>
         <pc:spChg chg="add del mod">
-          <ac:chgData name="Nathan Prows" userId="f0c29e9a599ce1ae" providerId="LiveId" clId="{5127C115-21A9-4CA8-886B-AB379375A793}" dt="2020-10-16T01:27:31.054" v="1560" actId="1038"/>
+          <ac:chgData name="Nathan Prows" userId="f0c29e9a599ce1ae" providerId="LiveId" clId="{5127C115-21A9-4CA8-886B-AB379375A793}" dt="2020-10-16T19:57:19.768" v="2305" actId="1076"/>
           <ac:spMkLst>
             <pc:docMk/>
             <pc:sldMk cId="1665494975" sldId="278"/>
@@ -1086,7 +1144,7 @@
           </ac:spMkLst>
         </pc:spChg>
         <pc:spChg chg="add del mod">
-          <ac:chgData name="Nathan Prows" userId="f0c29e9a599ce1ae" providerId="LiveId" clId="{5127C115-21A9-4CA8-886B-AB379375A793}" dt="2020-10-16T01:25:27.639" v="1438" actId="478"/>
+          <ac:chgData name="Nathan Prows" userId="f0c29e9a599ce1ae" providerId="LiveId" clId="{5127C115-21A9-4CA8-886B-AB379375A793}" dt="2020-10-16T19:59:50.244" v="2468" actId="1036"/>
           <ac:spMkLst>
             <pc:docMk/>
             <pc:sldMk cId="1665494975" sldId="278"/>
@@ -1094,7 +1152,7 @@
           </ac:spMkLst>
         </pc:spChg>
         <pc:spChg chg="add del mod">
-          <ac:chgData name="Nathan Prows" userId="f0c29e9a599ce1ae" providerId="LiveId" clId="{5127C115-21A9-4CA8-886B-AB379375A793}" dt="2020-10-16T01:25:27.639" v="1438" actId="478"/>
+          <ac:chgData name="Nathan Prows" userId="f0c29e9a599ce1ae" providerId="LiveId" clId="{5127C115-21A9-4CA8-886B-AB379375A793}" dt="2020-10-16T19:59:50.244" v="2468" actId="1036"/>
           <ac:spMkLst>
             <pc:docMk/>
             <pc:sldMk cId="1665494975" sldId="278"/>
@@ -1102,7 +1160,7 @@
           </ac:spMkLst>
         </pc:spChg>
         <pc:spChg chg="add del mod">
-          <ac:chgData name="Nathan Prows" userId="f0c29e9a599ce1ae" providerId="LiveId" clId="{5127C115-21A9-4CA8-886B-AB379375A793}" dt="2020-10-16T01:27:18.278" v="1552" actId="1037"/>
+          <ac:chgData name="Nathan Prows" userId="f0c29e9a599ce1ae" providerId="LiveId" clId="{5127C115-21A9-4CA8-886B-AB379375A793}" dt="2020-10-16T20:00:38.088" v="2497" actId="1036"/>
           <ac:spMkLst>
             <pc:docMk/>
             <pc:sldMk cId="1665494975" sldId="278"/>
@@ -1110,7 +1168,7 @@
           </ac:spMkLst>
         </pc:spChg>
         <pc:spChg chg="add del mod">
-          <ac:chgData name="Nathan Prows" userId="f0c29e9a599ce1ae" providerId="LiveId" clId="{5127C115-21A9-4CA8-886B-AB379375A793}" dt="2020-10-16T01:27:18.278" v="1552" actId="1037"/>
+          <ac:chgData name="Nathan Prows" userId="f0c29e9a599ce1ae" providerId="LiveId" clId="{5127C115-21A9-4CA8-886B-AB379375A793}" dt="2020-10-16T20:00:38.088" v="2497" actId="1036"/>
           <ac:spMkLst>
             <pc:docMk/>
             <pc:sldMk cId="1665494975" sldId="278"/>
@@ -1118,7 +1176,7 @@
           </ac:spMkLst>
         </pc:spChg>
         <pc:spChg chg="add del mod">
-          <ac:chgData name="Nathan Prows" userId="f0c29e9a599ce1ae" providerId="LiveId" clId="{5127C115-21A9-4CA8-886B-AB379375A793}" dt="2020-10-16T01:25:27.639" v="1438" actId="478"/>
+          <ac:chgData name="Nathan Prows" userId="f0c29e9a599ce1ae" providerId="LiveId" clId="{5127C115-21A9-4CA8-886B-AB379375A793}" dt="2020-10-16T20:00:21.516" v="2484" actId="1036"/>
           <ac:spMkLst>
             <pc:docMk/>
             <pc:sldMk cId="1665494975" sldId="278"/>
@@ -1126,7 +1184,7 @@
           </ac:spMkLst>
         </pc:spChg>
         <pc:spChg chg="add del mod">
-          <ac:chgData name="Nathan Prows" userId="f0c29e9a599ce1ae" providerId="LiveId" clId="{5127C115-21A9-4CA8-886B-AB379375A793}" dt="2020-10-16T01:25:27.639" v="1438" actId="478"/>
+          <ac:chgData name="Nathan Prows" userId="f0c29e9a599ce1ae" providerId="LiveId" clId="{5127C115-21A9-4CA8-886B-AB379375A793}" dt="2020-10-16T20:01:50.957" v="2644" actId="20577"/>
           <ac:spMkLst>
             <pc:docMk/>
             <pc:sldMk cId="1665494975" sldId="278"/>
@@ -1150,7 +1208,7 @@
           </ac:spMkLst>
         </pc:spChg>
         <pc:spChg chg="add mod">
-          <ac:chgData name="Nathan Prows" userId="f0c29e9a599ce1ae" providerId="LiveId" clId="{5127C115-21A9-4CA8-886B-AB379375A793}" dt="2020-10-16T01:31:29.784" v="1658" actId="1037"/>
+          <ac:chgData name="Nathan Prows" userId="f0c29e9a599ce1ae" providerId="LiveId" clId="{5127C115-21A9-4CA8-886B-AB379375A793}" dt="2020-10-16T19:59:10.041" v="2452" actId="1036"/>
           <ac:spMkLst>
             <pc:docMk/>
             <pc:sldMk cId="1665494975" sldId="278"/>
@@ -1158,7 +1216,7 @@
           </ac:spMkLst>
         </pc:spChg>
         <pc:spChg chg="add mod">
-          <ac:chgData name="Nathan Prows" userId="f0c29e9a599ce1ae" providerId="LiveId" clId="{5127C115-21A9-4CA8-886B-AB379375A793}" dt="2020-10-16T01:31:29.784" v="1658" actId="1037"/>
+          <ac:chgData name="Nathan Prows" userId="f0c29e9a599ce1ae" providerId="LiveId" clId="{5127C115-21A9-4CA8-886B-AB379375A793}" dt="2020-10-16T19:59:10.041" v="2452" actId="1036"/>
           <ac:spMkLst>
             <pc:docMk/>
             <pc:sldMk cId="1665494975" sldId="278"/>
@@ -1206,7 +1264,7 @@
           </ac:picMkLst>
         </pc:picChg>
         <pc:picChg chg="add del mod">
-          <ac:chgData name="Nathan Prows" userId="f0c29e9a599ce1ae" providerId="LiveId" clId="{5127C115-21A9-4CA8-886B-AB379375A793}" dt="2020-10-16T01:27:31.054" v="1560" actId="1038"/>
+          <ac:chgData name="Nathan Prows" userId="f0c29e9a599ce1ae" providerId="LiveId" clId="{5127C115-21A9-4CA8-886B-AB379375A793}" dt="2020-10-16T19:58:05.967" v="2333" actId="1076"/>
           <ac:picMkLst>
             <pc:docMk/>
             <pc:sldMk cId="1665494975" sldId="278"/>
@@ -1214,7 +1272,7 @@
           </ac:picMkLst>
         </pc:picChg>
         <pc:picChg chg="add del mod">
-          <ac:chgData name="Nathan Prows" userId="f0c29e9a599ce1ae" providerId="LiveId" clId="{5127C115-21A9-4CA8-886B-AB379375A793}" dt="2020-10-16T01:27:04.390" v="1535" actId="1076"/>
+          <ac:chgData name="Nathan Prows" userId="f0c29e9a599ce1ae" providerId="LiveId" clId="{5127C115-21A9-4CA8-886B-AB379375A793}" dt="2020-10-16T20:00:38.088" v="2497" actId="1036"/>
           <ac:picMkLst>
             <pc:docMk/>
             <pc:sldMk cId="1665494975" sldId="278"/>
@@ -1222,7 +1280,7 @@
           </ac:picMkLst>
         </pc:picChg>
         <pc:picChg chg="add del mod">
-          <ac:chgData name="Nathan Prows" userId="f0c29e9a599ce1ae" providerId="LiveId" clId="{5127C115-21A9-4CA8-886B-AB379375A793}" dt="2020-10-16T01:25:27.639" v="1438" actId="478"/>
+          <ac:chgData name="Nathan Prows" userId="f0c29e9a599ce1ae" providerId="LiveId" clId="{5127C115-21A9-4CA8-886B-AB379375A793}" dt="2020-10-16T20:00:21.516" v="2484" actId="1036"/>
           <ac:picMkLst>
             <pc:docMk/>
             <pc:sldMk cId="1665494975" sldId="278"/>
@@ -1230,7 +1288,7 @@
           </ac:picMkLst>
         </pc:picChg>
         <pc:picChg chg="add del mod">
-          <ac:chgData name="Nathan Prows" userId="f0c29e9a599ce1ae" providerId="LiveId" clId="{5127C115-21A9-4CA8-886B-AB379375A793}" dt="2020-10-16T01:25:27.639" v="1438" actId="478"/>
+          <ac:chgData name="Nathan Prows" userId="f0c29e9a599ce1ae" providerId="LiveId" clId="{5127C115-21A9-4CA8-886B-AB379375A793}" dt="2020-10-16T19:59:10.041" v="2452" actId="1036"/>
           <ac:picMkLst>
             <pc:docMk/>
             <pc:sldMk cId="1665494975" sldId="278"/>
@@ -1238,13 +1296,67 @@
           </ac:picMkLst>
         </pc:picChg>
         <pc:picChg chg="add del mod">
-          <ac:chgData name="Nathan Prows" userId="f0c29e9a599ce1ae" providerId="LiveId" clId="{5127C115-21A9-4CA8-886B-AB379375A793}" dt="2020-10-16T01:25:27.639" v="1438" actId="478"/>
+          <ac:chgData name="Nathan Prows" userId="f0c29e9a599ce1ae" providerId="LiveId" clId="{5127C115-21A9-4CA8-886B-AB379375A793}" dt="2020-10-16T19:59:50.244" v="2468" actId="1036"/>
           <ac:picMkLst>
             <pc:docMk/>
             <pc:sldMk cId="1665494975" sldId="278"/>
             <ac:picMk id="29" creationId="{9BB65635-84E4-473F-950D-1C492E947452}"/>
           </ac:picMkLst>
         </pc:picChg>
+      </pc:sldChg>
+      <pc:sldChg chg="addSp delSp modSp new mod modClrScheme chgLayout">
+        <pc:chgData name="Nathan Prows" userId="f0c29e9a599ce1ae" providerId="LiveId" clId="{5127C115-21A9-4CA8-886B-AB379375A793}" dt="2020-10-16T20:16:13.026" v="3277" actId="26606"/>
+        <pc:sldMkLst>
+          <pc:docMk/>
+          <pc:sldMk cId="3383382483" sldId="279"/>
+        </pc:sldMkLst>
+        <pc:spChg chg="mod ord">
+          <ac:chgData name="Nathan Prows" userId="f0c29e9a599ce1ae" providerId="LiveId" clId="{5127C115-21A9-4CA8-886B-AB379375A793}" dt="2020-10-16T20:16:13.022" v="3276" actId="26606"/>
+          <ac:spMkLst>
+            <pc:docMk/>
+            <pc:sldMk cId="3383382483" sldId="279"/>
+            <ac:spMk id="2" creationId="{499EAF34-4466-416F-8082-DCD8ECE8CEBA}"/>
+          </ac:spMkLst>
+        </pc:spChg>
+        <pc:spChg chg="mod">
+          <ac:chgData name="Nathan Prows" userId="f0c29e9a599ce1ae" providerId="LiveId" clId="{5127C115-21A9-4CA8-886B-AB379375A793}" dt="2020-10-16T20:16:13.022" v="3276" actId="26606"/>
+          <ac:spMkLst>
+            <pc:docMk/>
+            <pc:sldMk cId="3383382483" sldId="279"/>
+            <ac:spMk id="3" creationId="{40FA33BA-5E4E-4F03-9FBE-11752B67EE94}"/>
+          </ac:spMkLst>
+        </pc:spChg>
+        <pc:spChg chg="add del">
+          <ac:chgData name="Nathan Prows" userId="f0c29e9a599ce1ae" providerId="LiveId" clId="{5127C115-21A9-4CA8-886B-AB379375A793}" dt="2020-10-16T20:09:26.237" v="2959" actId="22"/>
+          <ac:spMkLst>
+            <pc:docMk/>
+            <pc:sldMk cId="3383382483" sldId="279"/>
+            <ac:spMk id="5" creationId="{7F89F38B-76DC-447E-AE76-C906EFF07BA3}"/>
+          </ac:spMkLst>
+        </pc:spChg>
+        <pc:spChg chg="add mod ord">
+          <ac:chgData name="Nathan Prows" userId="f0c29e9a599ce1ae" providerId="LiveId" clId="{5127C115-21A9-4CA8-886B-AB379375A793}" dt="2020-10-16T20:16:13.026" v="3277" actId="26606"/>
+          <ac:spMkLst>
+            <pc:docMk/>
+            <pc:sldMk cId="3383382483" sldId="279"/>
+            <ac:spMk id="11" creationId="{9599DFD2-EF5C-4B53-A184-743E097F4002}"/>
+          </ac:spMkLst>
+        </pc:spChg>
+        <pc:picChg chg="add mod ord">
+          <ac:chgData name="Nathan Prows" userId="f0c29e9a599ce1ae" providerId="LiveId" clId="{5127C115-21A9-4CA8-886B-AB379375A793}" dt="2020-10-16T20:16:13.026" v="3277" actId="26606"/>
+          <ac:picMkLst>
+            <pc:docMk/>
+            <pc:sldMk cId="3383382483" sldId="279"/>
+            <ac:picMk id="6" creationId="{B9B42CAB-E398-4E22-A45D-8EDF82C94F64}"/>
+          </ac:picMkLst>
+        </pc:picChg>
+      </pc:sldChg>
+      <pc:sldChg chg="new">
+        <pc:chgData name="Nathan Prows" userId="f0c29e9a599ce1ae" providerId="LiveId" clId="{5127C115-21A9-4CA8-886B-AB379375A793}" dt="2020-10-16T20:16:27.190" v="3278" actId="680"/>
+        <pc:sldMkLst>
+          <pc:docMk/>
+          <pc:sldMk cId="2167384681" sldId="280"/>
+        </pc:sldMkLst>
       </pc:sldChg>
     </pc:docChg>
   </pc:docChgLst>
@@ -1345,7 +1457,7 @@
           <a:p>
             <a:fld id="{97AB3EA8-A58D-4C92-A3AB-D271CCC294C7}" type="datetimeFigureOut">
               <a:rPr lang="en-US" smtClean="0"/>
-              <a:t>10/15/2020</a:t>
+              <a:t>10/16/2020</a:t>
             </a:fld>
             <a:endParaRPr lang="en-US" dirty="0"/>
           </a:p>
@@ -1522,7 +1634,7 @@
           <a:p>
             <a:fld id="{0AEFB4FA-E877-413E-B608-88789D806C57}" type="datetimeFigureOut">
               <a:rPr lang="en-US" noProof="0" smtClean="0"/>
-              <a:t>10/15/2020</a:t>
+              <a:t>10/16/2020</a:t>
             </a:fld>
             <a:endParaRPr lang="en-US" noProof="0" dirty="0"/>
           </a:p>
@@ -2358,7 +2470,7 @@
           <a:p>
             <a:fld id="{6336304E-FDE3-4B4F-A3B7-EBE87F3FA5E2}" type="slidenum">
               <a:rPr lang="en-US" noProof="0" smtClean="0"/>
-              <a:t>9</a:t>
+              <a:t>11</a:t>
             </a:fld>
             <a:endParaRPr lang="en-US" noProof="0" dirty="0"/>
           </a:p>
@@ -17960,7 +18072,7 @@
           <a:p>
             <a:fld id="{D951F27F-98F9-A147-8986-34441C7B752D}" type="datetime1">
               <a:rPr lang="en-US" noProof="0" smtClean="0"/>
-              <a:t>10/15/2020</a:t>
+              <a:t>10/16/2020</a:t>
             </a:fld>
             <a:endParaRPr lang="en-US" noProof="0" dirty="0"/>
           </a:p>
@@ -18515,15 +18627,6 @@
           <a:solidFill>
             <a:srgbClr val="FFFFFF"/>
           </a:solidFill>
-          <a:extLst>
-            <a:ext uri="{909E8E84-426E-40DD-AFC4-6F175D3DCCD1}">
-              <a14:hiddenFill xmlns:a14="http://schemas.microsoft.com/office/drawing/2010/main">
-                <a:solidFill>
-                  <a:srgbClr val="FFFFFF"/>
-                </a:solidFill>
-              </a14:hiddenFill>
-            </a:ext>
-          </a:extLst>
         </p:spPr>
       </p:pic>
     </p:spTree>
@@ -18539,706 +18642,7 @@
 </p:sld>
 </file>
 
-<file path=ppt/slides/slide2.xml><?xml version="1.0" encoding="utf-8"?>
-<p:sld xmlns:a="http://schemas.openxmlformats.org/drawingml/2006/main" xmlns:r="http://schemas.openxmlformats.org/officeDocument/2006/relationships" xmlns:p="http://schemas.openxmlformats.org/presentationml/2006/main">
-  <p:cSld>
-    <p:spTree>
-      <p:nvGrpSpPr>
-        <p:cNvPr id="1" name=""/>
-        <p:cNvGrpSpPr/>
-        <p:nvPr/>
-      </p:nvGrpSpPr>
-      <p:grpSpPr>
-        <a:xfrm>
-          <a:off x="0" y="0"/>
-          <a:ext cx="0" cy="0"/>
-          <a:chOff x="0" y="0"/>
-          <a:chExt cx="0" cy="0"/>
-        </a:xfrm>
-      </p:grpSpPr>
-      <p:sp>
-        <p:nvSpPr>
-          <p:cNvPr id="2" name="Title 1">
-            <a:extLst>
-              <a:ext uri="{FF2B5EF4-FFF2-40B4-BE49-F238E27FC236}">
-                <a16:creationId xmlns:a16="http://schemas.microsoft.com/office/drawing/2014/main" id="{6C64C2A7-EC84-4D8C-9CA2-F6AE46F51FB6}"/>
-              </a:ext>
-            </a:extLst>
-          </p:cNvPr>
-          <p:cNvSpPr>
-            <a:spLocks noGrp="1"/>
-          </p:cNvSpPr>
-          <p:nvPr>
-            <p:ph type="title"/>
-          </p:nvPr>
-        </p:nvSpPr>
-        <p:spPr>
-          <a:xfrm>
-            <a:off x="831850" y="182563"/>
-            <a:ext cx="10515600" cy="940181"/>
-          </a:xfrm>
-        </p:spPr>
-        <p:txBody>
-          <a:bodyPr anchor="b">
-            <a:normAutofit/>
-          </a:bodyPr>
-          <a:lstStyle/>
-          <a:p>
-            <a:r>
-              <a:rPr lang="en-US" dirty="0"/>
-              <a:t>Theme</a:t>
-            </a:r>
-          </a:p>
-        </p:txBody>
-      </p:sp>
-      <p:sp>
-        <p:nvSpPr>
-          <p:cNvPr id="3" name="Text Placeholder 2">
-            <a:extLst>
-              <a:ext uri="{FF2B5EF4-FFF2-40B4-BE49-F238E27FC236}">
-                <a16:creationId xmlns:a16="http://schemas.microsoft.com/office/drawing/2014/main" id="{56960426-AAA6-4126-93AF-30F7DEE010A4}"/>
-              </a:ext>
-            </a:extLst>
-          </p:cNvPr>
-          <p:cNvSpPr>
-            <a:spLocks noGrp="1"/>
-          </p:cNvSpPr>
-          <p:nvPr>
-            <p:ph type="body" idx="1"/>
-          </p:nvPr>
-        </p:nvSpPr>
-        <p:spPr>
-          <a:xfrm>
-            <a:off x="2139388" y="1154832"/>
-            <a:ext cx="7900525" cy="764460"/>
-          </a:xfrm>
-        </p:spPr>
-        <p:txBody>
-          <a:bodyPr>
-            <a:normAutofit/>
-          </a:bodyPr>
-          <a:lstStyle/>
-          <a:p>
-            <a:r>
-              <a:rPr lang="en-US" sz="1500" dirty="0"/>
-              <a:t>Visualize and bring to life properties within Broad Ripple from a data perspective.</a:t>
-            </a:r>
-          </a:p>
-        </p:txBody>
-      </p:sp>
-      <p:sp>
-        <p:nvSpPr>
-          <p:cNvPr id="4" name="Slide Number Placeholder 3">
-            <a:extLst>
-              <a:ext uri="{FF2B5EF4-FFF2-40B4-BE49-F238E27FC236}">
-                <a16:creationId xmlns:a16="http://schemas.microsoft.com/office/drawing/2014/main" id="{D66E959E-B23F-467A-9B6E-30F9EE969EC2}"/>
-              </a:ext>
-            </a:extLst>
-          </p:cNvPr>
-          <p:cNvSpPr>
-            <a:spLocks noGrp="1"/>
-          </p:cNvSpPr>
-          <p:nvPr>
-            <p:ph type="sldNum" sz="quarter" idx="12"/>
-          </p:nvPr>
-        </p:nvSpPr>
-        <p:spPr>
-          <a:xfrm>
-            <a:off x="11363696" y="6455739"/>
-            <a:ext cx="294460" cy="187367"/>
-          </a:xfrm>
-        </p:spPr>
-        <p:txBody>
-          <a:bodyPr anchor="ctr">
-            <a:normAutofit/>
-          </a:bodyPr>
-          <a:lstStyle/>
-          <a:p>
-            <a:pPr>
-              <a:spcAft>
-                <a:spcPts val="600"/>
-              </a:spcAft>
-            </a:pPr>
-            <a:fld id="{9EC71654-96A5-4280-94F3-931C61A9F92C}" type="slidenum">
-              <a:rPr lang="en-US" smtClean="0"/>
-              <a:pPr>
-                <a:spcAft>
-                  <a:spcPts val="600"/>
-                </a:spcAft>
-              </a:pPr>
-              <a:t>2</a:t>
-            </a:fld>
-            <a:endParaRPr lang="en-US"/>
-          </a:p>
-        </p:txBody>
-      </p:sp>
-      <p:pic>
-        <p:nvPicPr>
-          <p:cNvPr id="3074" name="Picture 2" descr="Urban Impressions: Indianapolis Part 1—Broad Ripple Village | The Fox and  the City">
-            <a:extLst>
-              <a:ext uri="{FF2B5EF4-FFF2-40B4-BE49-F238E27FC236}">
-                <a16:creationId xmlns:a16="http://schemas.microsoft.com/office/drawing/2014/main" id="{4DEAC48B-BCFA-42BD-8FF4-67C9C5F5A6B3}"/>
-              </a:ext>
-            </a:extLst>
-          </p:cNvPr>
-          <p:cNvPicPr>
-            <a:picLocks noChangeAspect="1" noChangeArrowheads="1"/>
-          </p:cNvPicPr>
-          <p:nvPr/>
-        </p:nvPicPr>
-        <p:blipFill rotWithShape="1">
-          <a:blip r:embed="rId3">
-            <a:extLst>
-              <a:ext uri="{28A0092B-C50C-407E-A947-70E740481C1C}">
-                <a14:useLocalDpi xmlns:a14="http://schemas.microsoft.com/office/drawing/2010/main" val="0"/>
-              </a:ext>
-            </a:extLst>
-          </a:blip>
-          <a:srcRect l="2856" r="6840" b="-1"/>
-          <a:stretch/>
-        </p:blipFill>
-        <p:spPr bwMode="auto">
-          <a:xfrm>
-            <a:off x="2993041" y="2270376"/>
-            <a:ext cx="6206400" cy="4587625"/>
-          </a:xfrm>
-          <a:custGeom>
-            <a:avLst/>
-            <a:gdLst>
-              <a:gd name="connsiteX0" fmla="*/ 3103200 w 6206400"/>
-              <a:gd name="connsiteY0" fmla="*/ 0 h 4587625"/>
-              <a:gd name="connsiteX1" fmla="*/ 6206400 w 6206400"/>
-              <a:gd name="connsiteY1" fmla="*/ 3103200 h 4587625"/>
-              <a:gd name="connsiteX2" fmla="*/ 5831861 w 6206400"/>
-              <a:gd name="connsiteY2" fmla="*/ 4582370 h 4587625"/>
-              <a:gd name="connsiteX3" fmla="*/ 5828668 w 6206400"/>
-              <a:gd name="connsiteY3" fmla="*/ 4587625 h 4587625"/>
-              <a:gd name="connsiteX4" fmla="*/ 377733 w 6206400"/>
-              <a:gd name="connsiteY4" fmla="*/ 4587625 h 4587625"/>
-              <a:gd name="connsiteX5" fmla="*/ 374540 w 6206400"/>
-              <a:gd name="connsiteY5" fmla="*/ 4582370 h 4587625"/>
-              <a:gd name="connsiteX6" fmla="*/ 0 w 6206400"/>
-              <a:gd name="connsiteY6" fmla="*/ 3103200 h 4587625"/>
-              <a:gd name="connsiteX7" fmla="*/ 3103200 w 6206400"/>
-              <a:gd name="connsiteY7" fmla="*/ 0 h 4587625"/>
-            </a:gdLst>
-            <a:ahLst/>
-            <a:cxnLst>
-              <a:cxn ang="0">
-                <a:pos x="connsiteX0" y="connsiteY0"/>
-              </a:cxn>
-              <a:cxn ang="0">
-                <a:pos x="connsiteX1" y="connsiteY1"/>
-              </a:cxn>
-              <a:cxn ang="0">
-                <a:pos x="connsiteX2" y="connsiteY2"/>
-              </a:cxn>
-              <a:cxn ang="0">
-                <a:pos x="connsiteX3" y="connsiteY3"/>
-              </a:cxn>
-              <a:cxn ang="0">
-                <a:pos x="connsiteX4" y="connsiteY4"/>
-              </a:cxn>
-              <a:cxn ang="0">
-                <a:pos x="connsiteX5" y="connsiteY5"/>
-              </a:cxn>
-              <a:cxn ang="0">
-                <a:pos x="connsiteX6" y="connsiteY6"/>
-              </a:cxn>
-              <a:cxn ang="0">
-                <a:pos x="connsiteX7" y="connsiteY7"/>
-              </a:cxn>
-            </a:cxnLst>
-            <a:rect l="l" t="t" r="r" b="b"/>
-            <a:pathLst>
-              <a:path w="6206400" h="4587625">
-                <a:moveTo>
-                  <a:pt x="3103200" y="0"/>
-                </a:moveTo>
-                <a:cubicBezTo>
-                  <a:pt x="4817050" y="0"/>
-                  <a:pt x="6206400" y="1389350"/>
-                  <a:pt x="6206400" y="3103200"/>
-                </a:cubicBezTo>
-                <a:cubicBezTo>
-                  <a:pt x="6206400" y="3638778"/>
-                  <a:pt x="6070721" y="4142667"/>
-                  <a:pt x="5831861" y="4582370"/>
-                </a:cubicBezTo>
-                <a:lnTo>
-                  <a:pt x="5828668" y="4587625"/>
-                </a:lnTo>
-                <a:lnTo>
-                  <a:pt x="377733" y="4587625"/>
-                </a:lnTo>
-                <a:lnTo>
-                  <a:pt x="374540" y="4582370"/>
-                </a:lnTo>
-                <a:cubicBezTo>
-                  <a:pt x="135679" y="4142667"/>
-                  <a:pt x="0" y="3638778"/>
-                  <a:pt x="0" y="3103200"/>
-                </a:cubicBezTo>
-                <a:cubicBezTo>
-                  <a:pt x="0" y="1389350"/>
-                  <a:pt x="1389350" y="0"/>
-                  <a:pt x="3103200" y="0"/>
-                </a:cubicBezTo>
-                <a:close/>
-              </a:path>
-            </a:pathLst>
-          </a:custGeom>
-          <a:solidFill>
-            <a:srgbClr val="FFFFFF"/>
-          </a:solidFill>
-          <a:extLst>
-            <a:ext uri="{909E8E84-426E-40DD-AFC4-6F175D3DCCD1}">
-              <a14:hiddenFill xmlns:a14="http://schemas.microsoft.com/office/drawing/2010/main">
-                <a:solidFill>
-                  <a:srgbClr val="FFFFFF"/>
-                </a:solidFill>
-              </a14:hiddenFill>
-            </a:ext>
-          </a:extLst>
-        </p:spPr>
-      </p:pic>
-    </p:spTree>
-    <p:extLst>
-      <p:ext uri="{BB962C8B-B14F-4D97-AF65-F5344CB8AC3E}">
-        <p14:creationId xmlns:p14="http://schemas.microsoft.com/office/powerpoint/2010/main" val="3187533055"/>
-      </p:ext>
-    </p:extLst>
-  </p:cSld>
-  <p:clrMapOvr>
-    <a:masterClrMapping/>
-  </p:clrMapOvr>
-</p:sld>
-</file>
-
-<file path=ppt/slides/slide3.xml><?xml version="1.0" encoding="utf-8"?>
-<p:sld xmlns:a="http://schemas.openxmlformats.org/drawingml/2006/main" xmlns:r="http://schemas.openxmlformats.org/officeDocument/2006/relationships" xmlns:p="http://schemas.openxmlformats.org/presentationml/2006/main">
-  <p:cSld>
-    <p:spTree>
-      <p:nvGrpSpPr>
-        <p:cNvPr id="1" name=""/>
-        <p:cNvGrpSpPr/>
-        <p:nvPr/>
-      </p:nvGrpSpPr>
-      <p:grpSpPr>
-        <a:xfrm>
-          <a:off x="0" y="0"/>
-          <a:ext cx="0" cy="0"/>
-          <a:chOff x="0" y="0"/>
-          <a:chExt cx="0" cy="0"/>
-        </a:xfrm>
-      </p:grpSpPr>
-      <p:sp>
-        <p:nvSpPr>
-          <p:cNvPr id="2" name="Title 1">
-            <a:extLst>
-              <a:ext uri="{FF2B5EF4-FFF2-40B4-BE49-F238E27FC236}">
-                <a16:creationId xmlns:a16="http://schemas.microsoft.com/office/drawing/2014/main" id="{E2C50832-0B36-43C5-98EC-4CD165D78718}"/>
-              </a:ext>
-            </a:extLst>
-          </p:cNvPr>
-          <p:cNvSpPr>
-            <a:spLocks noGrp="1"/>
-          </p:cNvSpPr>
-          <p:nvPr>
-            <p:ph type="title"/>
-          </p:nvPr>
-        </p:nvSpPr>
-        <p:spPr/>
-        <p:txBody>
-          <a:bodyPr/>
-          <a:lstStyle/>
-          <a:p>
-            <a:r>
-              <a:rPr lang="en-US" dirty="0"/>
-              <a:t>Coding Approach</a:t>
-            </a:r>
-            <a:br>
-              <a:rPr lang="en-US" dirty="0"/>
-            </a:br>
-            <a:endParaRPr lang="en-US" dirty="0"/>
-          </a:p>
-        </p:txBody>
-      </p:sp>
-      <p:sp>
-        <p:nvSpPr>
-          <p:cNvPr id="3" name="Content Placeholder 2">
-            <a:extLst>
-              <a:ext uri="{FF2B5EF4-FFF2-40B4-BE49-F238E27FC236}">
-                <a16:creationId xmlns:a16="http://schemas.microsoft.com/office/drawing/2014/main" id="{552A9C73-06ED-419B-81B5-491CBFC22330}"/>
-              </a:ext>
-            </a:extLst>
-          </p:cNvPr>
-          <p:cNvSpPr>
-            <a:spLocks noGrp="1"/>
-          </p:cNvSpPr>
-          <p:nvPr>
-            <p:ph idx="1"/>
-          </p:nvPr>
-        </p:nvSpPr>
-        <p:spPr>
-          <a:xfrm>
-            <a:off x="538961" y="1825625"/>
-            <a:ext cx="3991476" cy="4351338"/>
-          </a:xfrm>
-        </p:spPr>
-        <p:txBody>
-          <a:bodyPr/>
-          <a:lstStyle/>
-          <a:p>
-            <a:pPr marL="0" indent="0">
-              <a:buNone/>
-            </a:pPr>
-            <a:r>
-              <a:rPr lang="en-US" sz="1800" dirty="0"/>
-              <a:t>Lorem ipsum dolor sit amet, consectetuer adipiscing elit. Maecenas porttitor congue massa. Fusce posuere, magna sed pulvinar ultricies, purus lectus malesuada libero, sit amet commodo magna eros quis urna.</a:t>
-            </a:r>
-          </a:p>
-          <a:p>
-            <a:pPr marL="0" indent="0">
-              <a:buNone/>
-            </a:pPr>
-            <a:r>
-              <a:rPr lang="en-US" sz="1800" dirty="0"/>
-              <a:t>Nunc viverra imperdiet enim. Fusce est. Vivamus a tellus.</a:t>
-            </a:r>
-          </a:p>
-          <a:p>
-            <a:pPr marL="0" indent="0">
-              <a:buNone/>
-            </a:pPr>
-            <a:r>
-              <a:rPr lang="en-US" sz="1800" dirty="0"/>
-              <a:t>Pellentesque habitant morbi tristique senectus et netus et malesuada fames ac turpis egestas. Proin pharetra nonummy pede. Mauris et orci.</a:t>
-            </a:r>
-          </a:p>
-          <a:p>
-            <a:pPr marL="0" indent="0">
-              <a:buNone/>
-            </a:pPr>
-            <a:endParaRPr lang="en-US" sz="1800" dirty="0"/>
-          </a:p>
-        </p:txBody>
-      </p:sp>
-      <p:sp>
-        <p:nvSpPr>
-          <p:cNvPr id="4" name="Slide Number Placeholder 3">
-            <a:extLst>
-              <a:ext uri="{FF2B5EF4-FFF2-40B4-BE49-F238E27FC236}">
-                <a16:creationId xmlns:a16="http://schemas.microsoft.com/office/drawing/2014/main" id="{3B5C6BAC-F3F8-4AA0-B332-02F663571328}"/>
-              </a:ext>
-            </a:extLst>
-          </p:cNvPr>
-          <p:cNvSpPr>
-            <a:spLocks noGrp="1"/>
-          </p:cNvSpPr>
-          <p:nvPr>
-            <p:ph type="sldNum" sz="quarter" idx="12"/>
-          </p:nvPr>
-        </p:nvSpPr>
-        <p:spPr/>
-        <p:txBody>
-          <a:bodyPr/>
-          <a:lstStyle/>
-          <a:p>
-            <a:fld id="{9EC71654-96A5-4280-94F3-931C61A9F92C}" type="slidenum">
-              <a:rPr lang="en-US" smtClean="0"/>
-              <a:pPr/>
-              <a:t>3</a:t>
-            </a:fld>
-            <a:endParaRPr lang="en-US" dirty="0"/>
-          </a:p>
-        </p:txBody>
-      </p:sp>
-      <p:pic>
-        <p:nvPicPr>
-          <p:cNvPr id="4098" name="Picture 2" descr="On Raising Kids in Broad Ripple">
-            <a:extLst>
-              <a:ext uri="{FF2B5EF4-FFF2-40B4-BE49-F238E27FC236}">
-                <a16:creationId xmlns:a16="http://schemas.microsoft.com/office/drawing/2014/main" id="{E15FF813-D5FF-4C25-BAC3-F4A48D43DB45}"/>
-              </a:ext>
-            </a:extLst>
-          </p:cNvPr>
-          <p:cNvPicPr>
-            <a:picLocks noGrp="1" noChangeAspect="1" noChangeArrowheads="1"/>
-          </p:cNvPicPr>
-          <p:nvPr>
-            <p:ph type="pic" sz="quarter" idx="13"/>
-          </p:nvPr>
-        </p:nvPicPr>
-        <p:blipFill>
-          <a:blip r:embed="rId3">
-            <a:extLst>
-              <a:ext uri="{28A0092B-C50C-407E-A947-70E740481C1C}">
-                <a14:useLocalDpi xmlns:a14="http://schemas.microsoft.com/office/drawing/2010/main" val="0"/>
-              </a:ext>
-            </a:extLst>
-          </a:blip>
-          <a:srcRect l="21941" r="21941"/>
-          <a:stretch>
-            <a:fillRect/>
-          </a:stretch>
-        </p:blipFill>
-        <p:spPr bwMode="auto">
-          <a:prstGeom prst="rect">
-            <a:avLst/>
-          </a:prstGeom>
-          <a:noFill/>
-          <a:extLst>
-            <a:ext uri="{909E8E84-426E-40DD-AFC4-6F175D3DCCD1}">
-              <a14:hiddenFill xmlns:a14="http://schemas.microsoft.com/office/drawing/2010/main">
-                <a:solidFill>
-                  <a:srgbClr val="FFFFFF"/>
-                </a:solidFill>
-              </a14:hiddenFill>
-            </a:ext>
-          </a:extLst>
-        </p:spPr>
-      </p:pic>
-    </p:spTree>
-    <p:extLst>
-      <p:ext uri="{BB962C8B-B14F-4D97-AF65-F5344CB8AC3E}">
-        <p14:creationId xmlns:p14="http://schemas.microsoft.com/office/powerpoint/2010/main" val="433561355"/>
-      </p:ext>
-    </p:extLst>
-  </p:cSld>
-  <p:clrMapOvr>
-    <a:masterClrMapping/>
-  </p:clrMapOvr>
-</p:sld>
-</file>
-
-<file path=ppt/slides/slide4.xml><?xml version="1.0" encoding="utf-8"?>
-<p:sld xmlns:a="http://schemas.openxmlformats.org/drawingml/2006/main" xmlns:r="http://schemas.openxmlformats.org/officeDocument/2006/relationships" xmlns:p="http://schemas.openxmlformats.org/presentationml/2006/main">
-  <p:cSld>
-    <p:spTree>
-      <p:nvGrpSpPr>
-        <p:cNvPr id="1" name=""/>
-        <p:cNvGrpSpPr/>
-        <p:nvPr/>
-      </p:nvGrpSpPr>
-      <p:grpSpPr>
-        <a:xfrm>
-          <a:off x="0" y="0"/>
-          <a:ext cx="0" cy="0"/>
-          <a:chOff x="0" y="0"/>
-          <a:chExt cx="0" cy="0"/>
-        </a:xfrm>
-      </p:grpSpPr>
-      <p:sp>
-        <p:nvSpPr>
-          <p:cNvPr id="4" name="Slide Number Placeholder 3">
-            <a:extLst>
-              <a:ext uri="{FF2B5EF4-FFF2-40B4-BE49-F238E27FC236}">
-                <a16:creationId xmlns:a16="http://schemas.microsoft.com/office/drawing/2014/main" id="{0BDDBFEE-BC50-46CF-AB8F-D145B99B57A6}"/>
-              </a:ext>
-            </a:extLst>
-          </p:cNvPr>
-          <p:cNvSpPr>
-            <a:spLocks noGrp="1"/>
-          </p:cNvSpPr>
-          <p:nvPr>
-            <p:ph type="sldNum" sz="quarter" idx="12"/>
-          </p:nvPr>
-        </p:nvSpPr>
-        <p:spPr>
-          <a:xfrm>
-            <a:off x="11363696" y="6455739"/>
-            <a:ext cx="294460" cy="187367"/>
-          </a:xfrm>
-        </p:spPr>
-        <p:txBody>
-          <a:bodyPr anchor="ctr">
-            <a:normAutofit/>
-          </a:bodyPr>
-          <a:lstStyle/>
-          <a:p>
-            <a:pPr>
-              <a:spcAft>
-                <a:spcPts val="600"/>
-              </a:spcAft>
-            </a:pPr>
-            <a:fld id="{9EC71654-96A5-4280-94F3-931C61A9F92C}" type="slidenum">
-              <a:rPr lang="en-US" smtClean="0"/>
-              <a:pPr>
-                <a:spcAft>
-                  <a:spcPts val="600"/>
-                </a:spcAft>
-              </a:pPr>
-              <a:t>4</a:t>
-            </a:fld>
-            <a:endParaRPr lang="en-US"/>
-          </a:p>
-        </p:txBody>
-      </p:sp>
-      <p:sp>
-        <p:nvSpPr>
-          <p:cNvPr id="2" name="Title 1">
-            <a:extLst>
-              <a:ext uri="{FF2B5EF4-FFF2-40B4-BE49-F238E27FC236}">
-                <a16:creationId xmlns:a16="http://schemas.microsoft.com/office/drawing/2014/main" id="{903A9A18-93E0-4615-B7AA-B8C8FBB14464}"/>
-              </a:ext>
-            </a:extLst>
-          </p:cNvPr>
-          <p:cNvSpPr>
-            <a:spLocks noGrp="1"/>
-          </p:cNvSpPr>
-          <p:nvPr>
-            <p:ph type="title"/>
-          </p:nvPr>
-        </p:nvSpPr>
-        <p:spPr>
-          <a:xfrm>
-            <a:off x="839788" y="457200"/>
-            <a:ext cx="3932237" cy="1600200"/>
-          </a:xfrm>
-        </p:spPr>
-        <p:txBody>
-          <a:bodyPr anchor="b">
-            <a:normAutofit/>
-          </a:bodyPr>
-          <a:lstStyle/>
-          <a:p>
-            <a:r>
-              <a:rPr lang="en-US" dirty="0"/>
-              <a:t>Data Munging Techniques</a:t>
-            </a:r>
-            <a:br>
-              <a:rPr lang="en-US" dirty="0"/>
-            </a:br>
-            <a:endParaRPr lang="en-US" dirty="0"/>
-          </a:p>
-        </p:txBody>
-      </p:sp>
-      <p:sp>
-        <p:nvSpPr>
-          <p:cNvPr id="3" name="Content Placeholder 2">
-            <a:extLst>
-              <a:ext uri="{FF2B5EF4-FFF2-40B4-BE49-F238E27FC236}">
-                <a16:creationId xmlns:a16="http://schemas.microsoft.com/office/drawing/2014/main" id="{B91B32C0-5E61-447F-9557-57AF415D6FE9}"/>
-              </a:ext>
-            </a:extLst>
-          </p:cNvPr>
-          <p:cNvSpPr>
-            <a:spLocks noGrp="1"/>
-          </p:cNvSpPr>
-          <p:nvPr>
-            <p:ph type="body" sz="half" idx="2"/>
-          </p:nvPr>
-        </p:nvSpPr>
-        <p:spPr>
-          <a:xfrm>
-            <a:off x="839788" y="2057400"/>
-            <a:ext cx="3932237" cy="3811588"/>
-          </a:xfrm>
-        </p:spPr>
-        <p:txBody>
-          <a:bodyPr>
-            <a:normAutofit/>
-          </a:bodyPr>
-          <a:lstStyle/>
-          <a:p>
-            <a:pPr marL="0" indent="0">
-              <a:buNone/>
-            </a:pPr>
-            <a:r>
-              <a:rPr lang="en-US"/>
-              <a:t>Lorem ipsum dolor sit amet, consectetuer adipiscing elit. Maecenas porttitor congue massa. Fusce posuere, magna sed pulvinar ultricies, purus lectus malesuada libero, sit amet commodo magna eros quis urna.</a:t>
-            </a:r>
-          </a:p>
-          <a:p>
-            <a:pPr marL="0" indent="0">
-              <a:buNone/>
-            </a:pPr>
-            <a:r>
-              <a:rPr lang="en-US"/>
-              <a:t>Nunc viverra imperdiet enim. Fusce est. Vivamus a tellus.</a:t>
-            </a:r>
-          </a:p>
-          <a:p>
-            <a:pPr marL="0" indent="0">
-              <a:buNone/>
-            </a:pPr>
-            <a:r>
-              <a:rPr lang="en-US"/>
-              <a:t>Pellentesque habitant morbi tristique senectus et netus et malesuada fames ac turpis egestas. Proin pharetra nonummy pede. Mauris et orci.</a:t>
-            </a:r>
-          </a:p>
-          <a:p>
-            <a:pPr marL="0" indent="0">
-              <a:buNone/>
-            </a:pPr>
-            <a:endParaRPr lang="en-US"/>
-          </a:p>
-        </p:txBody>
-      </p:sp>
-      <p:pic>
-        <p:nvPicPr>
-          <p:cNvPr id="5122" name="Picture 2" descr="Monon Trail bridge over White River. - Picture of Hotel Broad Ripple,  Indianapolis - Tripadvisor">
-            <a:extLst>
-              <a:ext uri="{FF2B5EF4-FFF2-40B4-BE49-F238E27FC236}">
-                <a16:creationId xmlns:a16="http://schemas.microsoft.com/office/drawing/2014/main" id="{405EE092-0F7A-40C3-9956-0CF7EBA18945}"/>
-              </a:ext>
-            </a:extLst>
-          </p:cNvPr>
-          <p:cNvPicPr>
-            <a:picLocks noGrp="1" noChangeAspect="1" noChangeArrowheads="1"/>
-          </p:cNvPicPr>
-          <p:nvPr>
-            <p:ph idx="1"/>
-          </p:nvPr>
-        </p:nvPicPr>
-        <p:blipFill rotWithShape="1">
-          <a:blip r:embed="rId3">
-            <a:extLst>
-              <a:ext uri="{28A0092B-C50C-407E-A947-70E740481C1C}">
-                <a14:useLocalDpi xmlns:a14="http://schemas.microsoft.com/office/drawing/2010/main" val="0"/>
-              </a:ext>
-            </a:extLst>
-          </a:blip>
-          <a:srcRect l="9406" r="14638" b="-1"/>
-          <a:stretch/>
-        </p:blipFill>
-        <p:spPr bwMode="auto">
-          <a:xfrm>
-            <a:off x="5183188" y="457201"/>
-            <a:ext cx="6172200" cy="5403850"/>
-          </a:xfrm>
-          <a:prstGeom prst="rect">
-            <a:avLst/>
-          </a:prstGeom>
-          <a:solidFill>
-            <a:srgbClr val="FFFFFF"/>
-          </a:solidFill>
-          <a:extLst>
-            <a:ext uri="{909E8E84-426E-40DD-AFC4-6F175D3DCCD1}">
-              <a14:hiddenFill xmlns:a14="http://schemas.microsoft.com/office/drawing/2010/main">
-                <a:solidFill>
-                  <a:srgbClr val="FFFFFF"/>
-                </a:solidFill>
-              </a14:hiddenFill>
-            </a:ext>
-          </a:extLst>
-        </p:spPr>
-      </p:pic>
-    </p:spTree>
-    <p:extLst>
-      <p:ext uri="{BB962C8B-B14F-4D97-AF65-F5344CB8AC3E}">
-        <p14:creationId xmlns:p14="http://schemas.microsoft.com/office/powerpoint/2010/main" val="961730162"/>
-      </p:ext>
-    </p:extLst>
-  </p:cSld>
-  <p:clrMapOvr>
-    <a:masterClrMapping/>
-  </p:clrMapOvr>
-</p:sld>
-</file>
-
-<file path=ppt/slides/slide5.xml><?xml version="1.0" encoding="utf-8"?>
+<file path=ppt/slides/slide10.xml><?xml version="1.0" encoding="utf-8"?>
 <p:sld xmlns:a="http://schemas.openxmlformats.org/drawingml/2006/main" xmlns:r="http://schemas.openxmlformats.org/officeDocument/2006/relationships" xmlns:p="http://schemas.openxmlformats.org/presentationml/2006/main">
   <p:cSld>
     <p:spTree>
@@ -19260,428 +18664,6 @@
           <p:cNvPr id="3" name="Slide Number Placeholder 2">
             <a:extLst>
               <a:ext uri="{FF2B5EF4-FFF2-40B4-BE49-F238E27FC236}">
-                <a16:creationId xmlns:a16="http://schemas.microsoft.com/office/drawing/2014/main" id="{EB5F9B50-CED9-4961-91E8-058BE256771F}"/>
-              </a:ext>
-            </a:extLst>
-          </p:cNvPr>
-          <p:cNvSpPr>
-            <a:spLocks noGrp="1"/>
-          </p:cNvSpPr>
-          <p:nvPr>
-            <p:ph type="sldNum" sz="quarter" idx="12"/>
-          </p:nvPr>
-        </p:nvSpPr>
-        <p:spPr>
-          <a:xfrm>
-            <a:off x="11363696" y="6455739"/>
-            <a:ext cx="294460" cy="187367"/>
-          </a:xfrm>
-        </p:spPr>
-        <p:txBody>
-          <a:bodyPr anchor="ctr">
-            <a:normAutofit/>
-          </a:bodyPr>
-          <a:lstStyle/>
-          <a:p>
-            <a:pPr>
-              <a:spcAft>
-                <a:spcPts val="600"/>
-              </a:spcAft>
-            </a:pPr>
-            <a:fld id="{9EC71654-96A5-4280-94F3-931C61A9F92C}" type="slidenum">
-              <a:rPr lang="en-US" smtClean="0"/>
-              <a:pPr>
-                <a:spcAft>
-                  <a:spcPts val="600"/>
-                </a:spcAft>
-              </a:pPr>
-              <a:t>5</a:t>
-            </a:fld>
-            <a:endParaRPr lang="en-US"/>
-          </a:p>
-        </p:txBody>
-      </p:sp>
-      <p:pic>
-        <p:nvPicPr>
-          <p:cNvPr id="7" name="chart">
-            <a:extLst>
-              <a:ext uri="{FF2B5EF4-FFF2-40B4-BE49-F238E27FC236}">
-                <a16:creationId xmlns:a16="http://schemas.microsoft.com/office/drawing/2014/main" id="{4D9787CC-7952-4D80-AC04-14D57898876D}"/>
-              </a:ext>
-            </a:extLst>
-          </p:cNvPr>
-          <p:cNvPicPr>
-            <a:picLocks noChangeAspect="1"/>
-          </p:cNvPicPr>
-          <p:nvPr/>
-        </p:nvPicPr>
-        <p:blipFill rotWithShape="1">
-          <a:blip r:embed="rId3"/>
-          <a:srcRect r="142"/>
-          <a:stretch/>
-        </p:blipFill>
-        <p:spPr>
-          <a:xfrm>
-            <a:off x="592138" y="3241963"/>
-            <a:ext cx="3712382" cy="2934999"/>
-          </a:xfrm>
-          <a:prstGeom prst="rect">
-            <a:avLst/>
-          </a:prstGeom>
-          <a:noFill/>
-        </p:spPr>
-      </p:pic>
-      <p:pic>
-        <p:nvPicPr>
-          <p:cNvPr id="4" name="Picture 3">
-            <a:extLst>
-              <a:ext uri="{FF2B5EF4-FFF2-40B4-BE49-F238E27FC236}">
-                <a16:creationId xmlns:a16="http://schemas.microsoft.com/office/drawing/2014/main" id="{8AA9E46D-F037-42B1-BC42-320577CC49F8}"/>
-              </a:ext>
-            </a:extLst>
-          </p:cNvPr>
-          <p:cNvPicPr>
-            <a:picLocks noChangeAspect="1"/>
-          </p:cNvPicPr>
-          <p:nvPr/>
-        </p:nvPicPr>
-        <p:blipFill rotWithShape="1">
-          <a:blip r:embed="rId4"/>
-          <a:srcRect t="5085" r="-2" b="7801"/>
-          <a:stretch/>
-        </p:blipFill>
-        <p:spPr>
-          <a:xfrm>
-            <a:off x="5268192" y="1616617"/>
-            <a:ext cx="5856514" cy="4560345"/>
-          </a:xfrm>
-          <a:prstGeom prst="rect">
-            <a:avLst/>
-          </a:prstGeom>
-          <a:noFill/>
-        </p:spPr>
-      </p:pic>
-      <p:sp>
-        <p:nvSpPr>
-          <p:cNvPr id="2" name="Title 1">
-            <a:extLst>
-              <a:ext uri="{FF2B5EF4-FFF2-40B4-BE49-F238E27FC236}">
-                <a16:creationId xmlns:a16="http://schemas.microsoft.com/office/drawing/2014/main" id="{4332B532-EB3E-428B-9224-EFA237D16A73}"/>
-              </a:ext>
-            </a:extLst>
-          </p:cNvPr>
-          <p:cNvSpPr>
-            <a:spLocks noGrp="1"/>
-          </p:cNvSpPr>
-          <p:nvPr>
-            <p:ph type="title"/>
-          </p:nvPr>
-        </p:nvSpPr>
-        <p:spPr>
-          <a:xfrm>
-            <a:off x="515938" y="246621"/>
-            <a:ext cx="11150600" cy="920336"/>
-          </a:xfrm>
-        </p:spPr>
-        <p:txBody>
-          <a:bodyPr anchor="b">
-            <a:normAutofit/>
-          </a:bodyPr>
-          <a:lstStyle/>
-          <a:p>
-            <a:r>
-              <a:rPr lang="en-US" dirty="0"/>
-              <a:t>Property code breakdown</a:t>
-            </a:r>
-          </a:p>
-        </p:txBody>
-      </p:sp>
-    </p:spTree>
-    <p:extLst>
-      <p:ext uri="{BB962C8B-B14F-4D97-AF65-F5344CB8AC3E}">
-        <p14:creationId xmlns:p14="http://schemas.microsoft.com/office/powerpoint/2010/main" val="1169930804"/>
-      </p:ext>
-    </p:extLst>
-  </p:cSld>
-  <p:clrMapOvr>
-    <a:masterClrMapping/>
-  </p:clrMapOvr>
-</p:sld>
-</file>
-
-<file path=ppt/slides/slide6.xml><?xml version="1.0" encoding="utf-8"?>
-<p:sld xmlns:a="http://schemas.openxmlformats.org/drawingml/2006/main" xmlns:r="http://schemas.openxmlformats.org/officeDocument/2006/relationships" xmlns:p="http://schemas.openxmlformats.org/presentationml/2006/main">
-  <p:cSld>
-    <p:spTree>
-      <p:nvGrpSpPr>
-        <p:cNvPr id="1" name=""/>
-        <p:cNvGrpSpPr/>
-        <p:nvPr/>
-      </p:nvGrpSpPr>
-      <p:grpSpPr>
-        <a:xfrm>
-          <a:off x="0" y="0"/>
-          <a:ext cx="0" cy="0"/>
-          <a:chOff x="0" y="0"/>
-          <a:chExt cx="0" cy="0"/>
-        </a:xfrm>
-      </p:grpSpPr>
-      <p:sp>
-        <p:nvSpPr>
-          <p:cNvPr id="3" name="Slide Number Placeholder 2">
-            <a:extLst>
-              <a:ext uri="{FF2B5EF4-FFF2-40B4-BE49-F238E27FC236}">
-                <a16:creationId xmlns:a16="http://schemas.microsoft.com/office/drawing/2014/main" id="{52831171-ADDA-428F-9986-5B1064EA21F9}"/>
-              </a:ext>
-            </a:extLst>
-          </p:cNvPr>
-          <p:cNvSpPr>
-            <a:spLocks noGrp="1"/>
-          </p:cNvSpPr>
-          <p:nvPr>
-            <p:ph type="sldNum" sz="quarter" idx="12"/>
-          </p:nvPr>
-        </p:nvSpPr>
-        <p:spPr>
-          <a:xfrm>
-            <a:off x="11363696" y="6455739"/>
-            <a:ext cx="294460" cy="187367"/>
-          </a:xfrm>
-        </p:spPr>
-        <p:txBody>
-          <a:bodyPr anchor="ctr">
-            <a:normAutofit/>
-          </a:bodyPr>
-          <a:lstStyle/>
-          <a:p>
-            <a:pPr>
-              <a:spcAft>
-                <a:spcPts val="600"/>
-              </a:spcAft>
-            </a:pPr>
-            <a:fld id="{9EC71654-96A5-4280-94F3-931C61A9F92C}" type="slidenum">
-              <a:rPr lang="en-US" noProof="0" smtClean="0"/>
-              <a:pPr>
-                <a:spcAft>
-                  <a:spcPts val="600"/>
-                </a:spcAft>
-              </a:pPr>
-              <a:t>6</a:t>
-            </a:fld>
-            <a:endParaRPr lang="en-US" noProof="0"/>
-          </a:p>
-        </p:txBody>
-      </p:sp>
-      <p:pic>
-        <p:nvPicPr>
-          <p:cNvPr id="4" name="chart">
-            <a:extLst>
-              <a:ext uri="{FF2B5EF4-FFF2-40B4-BE49-F238E27FC236}">
-                <a16:creationId xmlns:a16="http://schemas.microsoft.com/office/drawing/2014/main" id="{165A9EBB-CDE5-4C06-9CAD-1D709439524F}"/>
-              </a:ext>
-            </a:extLst>
-          </p:cNvPr>
-          <p:cNvPicPr>
-            <a:picLocks noChangeAspect="1"/>
-          </p:cNvPicPr>
-          <p:nvPr/>
-        </p:nvPicPr>
-        <p:blipFill>
-          <a:blip r:embed="rId2"/>
-          <a:stretch>
-            <a:fillRect/>
-          </a:stretch>
-        </p:blipFill>
-        <p:spPr>
-          <a:xfrm>
-            <a:off x="1430341" y="1501373"/>
-            <a:ext cx="9160325" cy="4096542"/>
-          </a:xfrm>
-          <a:prstGeom prst="rect">
-            <a:avLst/>
-          </a:prstGeom>
-          <a:noFill/>
-        </p:spPr>
-      </p:pic>
-      <p:sp>
-        <p:nvSpPr>
-          <p:cNvPr id="2" name="Title 1">
-            <a:extLst>
-              <a:ext uri="{FF2B5EF4-FFF2-40B4-BE49-F238E27FC236}">
-                <a16:creationId xmlns:a16="http://schemas.microsoft.com/office/drawing/2014/main" id="{AB41AC4B-A323-4E20-86A9-0CB2ABC38EB0}"/>
-              </a:ext>
-            </a:extLst>
-          </p:cNvPr>
-          <p:cNvSpPr>
-            <a:spLocks noGrp="1"/>
-          </p:cNvSpPr>
-          <p:nvPr>
-            <p:ph type="title"/>
-          </p:nvPr>
-        </p:nvSpPr>
-        <p:spPr>
-          <a:xfrm>
-            <a:off x="515938" y="246621"/>
-            <a:ext cx="11150600" cy="920336"/>
-          </a:xfrm>
-        </p:spPr>
-        <p:txBody>
-          <a:bodyPr anchor="b">
-            <a:normAutofit/>
-          </a:bodyPr>
-          <a:lstStyle/>
-          <a:p>
-            <a:r>
-              <a:rPr lang="en-US" dirty="0"/>
-              <a:t>Pedestrian friendly broad ripple</a:t>
-            </a:r>
-          </a:p>
-        </p:txBody>
-      </p:sp>
-    </p:spTree>
-    <p:extLst>
-      <p:ext uri="{BB962C8B-B14F-4D97-AF65-F5344CB8AC3E}">
-        <p14:creationId xmlns:p14="http://schemas.microsoft.com/office/powerpoint/2010/main" val="3732066525"/>
-      </p:ext>
-    </p:extLst>
-  </p:cSld>
-  <p:clrMapOvr>
-    <a:masterClrMapping/>
-  </p:clrMapOvr>
-</p:sld>
-</file>
-
-<file path=ppt/slides/slide7.xml><?xml version="1.0" encoding="utf-8"?>
-<p:sld xmlns:a="http://schemas.openxmlformats.org/drawingml/2006/main" xmlns:r="http://schemas.openxmlformats.org/officeDocument/2006/relationships" xmlns:p="http://schemas.openxmlformats.org/presentationml/2006/main">
-  <p:cSld>
-    <p:spTree>
-      <p:nvGrpSpPr>
-        <p:cNvPr id="1" name=""/>
-        <p:cNvGrpSpPr/>
-        <p:nvPr/>
-      </p:nvGrpSpPr>
-      <p:grpSpPr>
-        <a:xfrm>
-          <a:off x="0" y="0"/>
-          <a:ext cx="0" cy="0"/>
-          <a:chOff x="0" y="0"/>
-          <a:chExt cx="0" cy="0"/>
-        </a:xfrm>
-      </p:grpSpPr>
-      <p:sp>
-        <p:nvSpPr>
-          <p:cNvPr id="7" name="Title 1"/>
-          <p:cNvSpPr>
-            <a:spLocks noGrp="1"/>
-          </p:cNvSpPr>
-          <p:nvPr>
-            <p:ph type="title"/>
-          </p:nvPr>
-        </p:nvSpPr>
-        <p:spPr>
-          <a:xfrm>
-            <a:off x="507556" y="214894"/>
-            <a:ext cx="11150600" cy="920336"/>
-          </a:xfrm>
-        </p:spPr>
-        <p:txBody>
-          <a:bodyPr/>
-          <a:lstStyle/>
-          <a:p>
-            <a:r>
-              <a:rPr lang="en-US" dirty="0"/>
-              <a:t>42660 Property listings by value</a:t>
-            </a:r>
-          </a:p>
-        </p:txBody>
-      </p:sp>
-      <p:sp>
-        <p:nvSpPr>
-          <p:cNvPr id="4" name="Slide Number Placeholder 3"/>
-          <p:cNvSpPr>
-            <a:spLocks noGrp="1"/>
-          </p:cNvSpPr>
-          <p:nvPr>
-            <p:ph type="sldNum" sz="quarter" idx="12"/>
-          </p:nvPr>
-        </p:nvSpPr>
-        <p:spPr/>
-        <p:txBody>
-          <a:bodyPr/>
-          <a:lstStyle/>
-          <a:p>
-            <a:r>
-              <a:rPr lang="en-US"/>
-              <a:t>9</a:t>
-            </a:r>
-            <a:endParaRPr lang="en-US" dirty="0"/>
-          </a:p>
-        </p:txBody>
-      </p:sp>
-      <p:pic>
-        <p:nvPicPr>
-          <p:cNvPr id="2" name="Picture 1">
-            <a:extLst>
-              <a:ext uri="{FF2B5EF4-FFF2-40B4-BE49-F238E27FC236}">
-                <a16:creationId xmlns:a16="http://schemas.microsoft.com/office/drawing/2014/main" id="{D13A0F35-05CE-4AF2-9582-255FA9A6745C}"/>
-              </a:ext>
-            </a:extLst>
-          </p:cNvPr>
-          <p:cNvPicPr>
-            <a:picLocks noChangeAspect="1"/>
-          </p:cNvPicPr>
-          <p:nvPr/>
-        </p:nvPicPr>
-        <p:blipFill rotWithShape="1">
-          <a:blip r:embed="rId3"/>
-          <a:srcRect l="21951" r="1"/>
-          <a:stretch/>
-        </p:blipFill>
-        <p:spPr>
-          <a:xfrm>
-            <a:off x="1122947" y="1304422"/>
-            <a:ext cx="9762623" cy="4762500"/>
-          </a:xfrm>
-          <a:prstGeom prst="rect">
-            <a:avLst/>
-          </a:prstGeom>
-        </p:spPr>
-      </p:pic>
-    </p:spTree>
-    <p:extLst>
-      <p:ext uri="{BB962C8B-B14F-4D97-AF65-F5344CB8AC3E}">
-        <p14:creationId xmlns:p14="http://schemas.microsoft.com/office/powerpoint/2010/main" val="688656153"/>
-      </p:ext>
-    </p:extLst>
-  </p:cSld>
-  <p:clrMapOvr>
-    <a:masterClrMapping/>
-  </p:clrMapOvr>
-</p:sld>
-</file>
-
-<file path=ppt/slides/slide8.xml><?xml version="1.0" encoding="utf-8"?>
-<p:sld xmlns:a="http://schemas.openxmlformats.org/drawingml/2006/main" xmlns:r="http://schemas.openxmlformats.org/officeDocument/2006/relationships" xmlns:p="http://schemas.openxmlformats.org/presentationml/2006/main">
-  <p:cSld>
-    <p:spTree>
-      <p:nvGrpSpPr>
-        <p:cNvPr id="1" name=""/>
-        <p:cNvGrpSpPr/>
-        <p:nvPr/>
-      </p:nvGrpSpPr>
-      <p:grpSpPr>
-        <a:xfrm>
-          <a:off x="0" y="0"/>
-          <a:ext cx="0" cy="0"/>
-          <a:chOff x="0" y="0"/>
-          <a:chExt cx="0" cy="0"/>
-        </a:xfrm>
-      </p:grpSpPr>
-      <p:sp>
-        <p:nvSpPr>
-          <p:cNvPr id="3" name="Slide Number Placeholder 2">
-            <a:extLst>
-              <a:ext uri="{FF2B5EF4-FFF2-40B4-BE49-F238E27FC236}">
                 <a16:creationId xmlns:a16="http://schemas.microsoft.com/office/drawing/2014/main" id="{BDA65312-ACFF-47D3-9B72-46F741DEB621}"/>
               </a:ext>
             </a:extLst>
@@ -19701,7 +18683,7 @@
             <a:fld id="{9EC71654-96A5-4280-94F3-931C61A9F92C}" type="slidenum">
               <a:rPr lang="en-US" noProof="0" smtClean="0"/>
               <a:pPr/>
-              <a:t>8</a:t>
+              <a:t>10</a:t>
             </a:fld>
             <a:endParaRPr lang="en-US" noProof="0" dirty="0"/>
           </a:p>
@@ -19773,7 +18755,7 @@
         </p:blipFill>
         <p:spPr>
           <a:xfrm>
-            <a:off x="7590840" y="385500"/>
+            <a:off x="7590840" y="534585"/>
             <a:ext cx="1430337" cy="1430337"/>
           </a:xfrm>
           <a:prstGeom prst="ellipse">
@@ -19783,7 +18765,7 @@
       </p:pic>
       <p:pic>
         <p:nvPicPr>
-          <p:cNvPr id="26" name="Picture Placeholder 22" descr="woman posing for portrait">
+          <p:cNvPr id="26" name="Picture Placeholder 22">
             <a:extLst>
               <a:ext uri="{FF2B5EF4-FFF2-40B4-BE49-F238E27FC236}">
                 <a16:creationId xmlns:a16="http://schemas.microsoft.com/office/drawing/2014/main" id="{4A26208C-4DC9-40E3-8039-4C722DC1F9DA}"/>
@@ -19796,22 +18778,14 @@
           <p:nvPr/>
         </p:nvPicPr>
         <p:blipFill>
-          <a:blip r:embed="rId4">
-            <a:extLst>
-              <a:ext uri="{28A0092B-C50C-407E-A947-70E740481C1C}">
-                <a14:useLocalDpi xmlns:a14="http://schemas.microsoft.com/office/drawing/2010/main"/>
-              </a:ext>
-            </a:extLst>
-          </a:blip>
+          <a:blip r:embed="rId4"/>
           <a:srcRect/>
-          <a:stretch>
-            <a:fillRect/>
-          </a:stretch>
+          <a:stretch/>
         </p:blipFill>
         <p:spPr>
-          <a:xfrm>
-            <a:off x="9648156" y="1848535"/>
-            <a:ext cx="1430337" cy="1430337"/>
+          <a:xfrm rot="5400000">
+            <a:off x="9737086" y="2732604"/>
+            <a:ext cx="1430339" cy="1252473"/>
           </a:xfrm>
           <a:prstGeom prst="ellipse">
             <a:avLst/>
@@ -19942,7 +18916,7 @@
             <a:fld id="{9EC71654-96A5-4280-94F3-931C61A9F92C}" type="slidenum">
               <a:rPr lang="en-US" smtClean="0"/>
               <a:pPr/>
-              <a:t>8</a:t>
+              <a:t>10</a:t>
             </a:fld>
             <a:endParaRPr lang="en-US" dirty="0"/>
           </a:p>
@@ -19977,7 +18951,7 @@
         </p:blipFill>
         <p:spPr>
           <a:xfrm>
-            <a:off x="1113507" y="1888395"/>
+            <a:off x="1024056" y="2763036"/>
             <a:ext cx="1430337" cy="1430337"/>
           </a:xfrm>
           <a:prstGeom prst="ellipse">
@@ -20014,7 +18988,7 @@
         </p:blipFill>
         <p:spPr>
           <a:xfrm>
-            <a:off x="5376069" y="1970944"/>
+            <a:off x="5376069" y="2915159"/>
             <a:ext cx="1430337" cy="1430337"/>
           </a:xfrm>
           <a:prstGeom prst="ellipse">
@@ -20426,143 +19400,7 @@
           <a:p>
             <a:r>
               <a:rPr lang="en-US" dirty="0"/>
-              <a:t>Lorem ipsum dolor sit </a:t>
-            </a:r>
-            <a:r>
-              <a:rPr lang="en-US" dirty="0" err="1"/>
-              <a:t>amet</a:t>
-            </a:r>
-            <a:r>
-              <a:rPr lang="en-US" dirty="0"/>
-              <a:t>, </a:t>
-            </a:r>
-            <a:r>
-              <a:rPr lang="en-US" dirty="0" err="1"/>
-              <a:t>consectetuer</a:t>
-            </a:r>
-            <a:r>
-              <a:rPr lang="en-US" dirty="0"/>
-              <a:t> </a:t>
-            </a:r>
-            <a:r>
-              <a:rPr lang="en-US" dirty="0" err="1"/>
-              <a:t>adipiscing</a:t>
-            </a:r>
-            <a:r>
-              <a:rPr lang="en-US" dirty="0"/>
-              <a:t> </a:t>
-            </a:r>
-            <a:r>
-              <a:rPr lang="en-US" dirty="0" err="1"/>
-              <a:t>elit</a:t>
-            </a:r>
-            <a:r>
-              <a:rPr lang="en-US" dirty="0"/>
-              <a:t>. Maecenas </a:t>
-            </a:r>
-            <a:r>
-              <a:rPr lang="en-US" dirty="0" err="1"/>
-              <a:t>porttitor</a:t>
-            </a:r>
-            <a:r>
-              <a:rPr lang="en-US" dirty="0"/>
-              <a:t> </a:t>
-            </a:r>
-            <a:r>
-              <a:rPr lang="en-US" dirty="0" err="1"/>
-              <a:t>congue</a:t>
-            </a:r>
-            <a:r>
-              <a:rPr lang="en-US" dirty="0"/>
-              <a:t> </a:t>
-            </a:r>
-            <a:r>
-              <a:rPr lang="en-US" dirty="0" err="1"/>
-              <a:t>massa</a:t>
-            </a:r>
-            <a:r>
-              <a:rPr lang="en-US" dirty="0"/>
-              <a:t>. </a:t>
-            </a:r>
-            <a:r>
-              <a:rPr lang="en-US" dirty="0" err="1"/>
-              <a:t>Fusce</a:t>
-            </a:r>
-            <a:r>
-              <a:rPr lang="en-US" dirty="0"/>
-              <a:t> </a:t>
-            </a:r>
-            <a:r>
-              <a:rPr lang="en-US" dirty="0" err="1"/>
-              <a:t>posuere</a:t>
-            </a:r>
-            <a:r>
-              <a:rPr lang="en-US" dirty="0"/>
-              <a:t>, magna sed pulvinar </a:t>
-            </a:r>
-            <a:r>
-              <a:rPr lang="en-US" dirty="0" err="1"/>
-              <a:t>ultricies</a:t>
-            </a:r>
-            <a:r>
-              <a:rPr lang="en-US" dirty="0"/>
-              <a:t>, </a:t>
-            </a:r>
-            <a:r>
-              <a:rPr lang="en-US" dirty="0" err="1"/>
-              <a:t>purus</a:t>
-            </a:r>
-            <a:r>
-              <a:rPr lang="en-US" dirty="0"/>
-              <a:t> </a:t>
-            </a:r>
-            <a:r>
-              <a:rPr lang="en-US" dirty="0" err="1"/>
-              <a:t>lectus</a:t>
-            </a:r>
-            <a:r>
-              <a:rPr lang="en-US" dirty="0"/>
-              <a:t> </a:t>
-            </a:r>
-            <a:r>
-              <a:rPr lang="en-US" dirty="0" err="1"/>
-              <a:t>malesuada</a:t>
-            </a:r>
-            <a:r>
-              <a:rPr lang="en-US" dirty="0"/>
-              <a:t> libero, sit </a:t>
-            </a:r>
-            <a:r>
-              <a:rPr lang="en-US" dirty="0" err="1"/>
-              <a:t>amet</a:t>
-            </a:r>
-            <a:r>
-              <a:rPr lang="en-US" dirty="0"/>
-              <a:t> </a:t>
-            </a:r>
-            <a:r>
-              <a:rPr lang="en-US" dirty="0" err="1"/>
-              <a:t>commodo</a:t>
-            </a:r>
-            <a:r>
-              <a:rPr lang="en-US" dirty="0"/>
-              <a:t> magna eros </a:t>
-            </a:r>
-            <a:r>
-              <a:rPr lang="en-US" dirty="0" err="1"/>
-              <a:t>quis</a:t>
-            </a:r>
-            <a:r>
-              <a:rPr lang="en-US" dirty="0"/>
-              <a:t> </a:t>
-            </a:r>
-            <a:r>
-              <a:rPr lang="en-US" dirty="0" err="1"/>
-              <a:t>urna</a:t>
-            </a:r>
-            <a:r>
-              <a:rPr lang="en-US" dirty="0"/>
-              <a:t>.</a:t>
+              <a:t>Data Analyst</a:t>
             </a:r>
           </a:p>
           <a:p>
@@ -20586,7 +19424,7 @@
         </p:nvSpPr>
         <p:spPr>
           <a:xfrm>
-            <a:off x="4990798" y="3514246"/>
+            <a:off x="5002135" y="4401501"/>
             <a:ext cx="2588705" cy="495389"/>
           </a:xfrm>
           <a:prstGeom prst="rect">
@@ -20793,7 +19631,7 @@
         </p:nvSpPr>
         <p:spPr>
           <a:xfrm>
-            <a:off x="5180628" y="4027284"/>
+            <a:off x="5180628" y="4971499"/>
             <a:ext cx="2019390" cy="1550675"/>
           </a:xfrm>
           <a:prstGeom prst="rect">
@@ -20970,8 +19808,8 @@
           </a:lstStyle>
           <a:p>
             <a:r>
-              <a:rPr lang="en-US"/>
-              <a:t>Lorem ipsum dolor sit amet, consectetuer adipiscing elit. Maecenas porttitor congue massa. Fusce posuere, magna sed pulvinar ultricies, purus lectus malesuada libero, sit amet commodo magna eros quis urna.</a:t>
+              <a:rPr lang="en-US" dirty="0"/>
+              <a:t>Data Analyst</a:t>
             </a:r>
           </a:p>
           <a:p>
@@ -20995,7 +19833,7 @@
         </p:nvSpPr>
         <p:spPr>
           <a:xfrm>
-            <a:off x="7019972" y="1794630"/>
+            <a:off x="7019972" y="1943715"/>
             <a:ext cx="2588705" cy="495389"/>
           </a:xfrm>
           <a:prstGeom prst="rect">
@@ -21199,7 +20037,7 @@
         </p:nvSpPr>
         <p:spPr>
           <a:xfrm>
-            <a:off x="7292930" y="2307668"/>
+            <a:off x="7292930" y="2456753"/>
             <a:ext cx="2019390" cy="1550675"/>
           </a:xfrm>
           <a:prstGeom prst="rect">
@@ -21377,143 +20215,7 @@
           <a:p>
             <a:r>
               <a:rPr lang="en-US" dirty="0"/>
-              <a:t>Lorem ipsum dolor sit </a:t>
-            </a:r>
-            <a:r>
-              <a:rPr lang="en-US" dirty="0" err="1"/>
-              <a:t>amet</a:t>
-            </a:r>
-            <a:r>
-              <a:rPr lang="en-US" dirty="0"/>
-              <a:t>, </a:t>
-            </a:r>
-            <a:r>
-              <a:rPr lang="en-US" dirty="0" err="1"/>
-              <a:t>consectetuer</a:t>
-            </a:r>
-            <a:r>
-              <a:rPr lang="en-US" dirty="0"/>
-              <a:t> </a:t>
-            </a:r>
-            <a:r>
-              <a:rPr lang="en-US" dirty="0" err="1"/>
-              <a:t>adipiscing</a:t>
-            </a:r>
-            <a:r>
-              <a:rPr lang="en-US" dirty="0"/>
-              <a:t> </a:t>
-            </a:r>
-            <a:r>
-              <a:rPr lang="en-US" dirty="0" err="1"/>
-              <a:t>elit</a:t>
-            </a:r>
-            <a:r>
-              <a:rPr lang="en-US" dirty="0"/>
-              <a:t>. Maecenas </a:t>
-            </a:r>
-            <a:r>
-              <a:rPr lang="en-US" dirty="0" err="1"/>
-              <a:t>porttitor</a:t>
-            </a:r>
-            <a:r>
-              <a:rPr lang="en-US" dirty="0"/>
-              <a:t> </a:t>
-            </a:r>
-            <a:r>
-              <a:rPr lang="en-US" dirty="0" err="1"/>
-              <a:t>congue</a:t>
-            </a:r>
-            <a:r>
-              <a:rPr lang="en-US" dirty="0"/>
-              <a:t> </a:t>
-            </a:r>
-            <a:r>
-              <a:rPr lang="en-US" dirty="0" err="1"/>
-              <a:t>massa</a:t>
-            </a:r>
-            <a:r>
-              <a:rPr lang="en-US" dirty="0"/>
-              <a:t>. </a:t>
-            </a:r>
-            <a:r>
-              <a:rPr lang="en-US" dirty="0" err="1"/>
-              <a:t>Fusce</a:t>
-            </a:r>
-            <a:r>
-              <a:rPr lang="en-US" dirty="0"/>
-              <a:t> </a:t>
-            </a:r>
-            <a:r>
-              <a:rPr lang="en-US" dirty="0" err="1"/>
-              <a:t>posuere</a:t>
-            </a:r>
-            <a:r>
-              <a:rPr lang="en-US" dirty="0"/>
-              <a:t>, magna sed pulvinar </a:t>
-            </a:r>
-            <a:r>
-              <a:rPr lang="en-US" dirty="0" err="1"/>
-              <a:t>ultricies</a:t>
-            </a:r>
-            <a:r>
-              <a:rPr lang="en-US" dirty="0"/>
-              <a:t>, </a:t>
-            </a:r>
-            <a:r>
-              <a:rPr lang="en-US" dirty="0" err="1"/>
-              <a:t>purus</a:t>
-            </a:r>
-            <a:r>
-              <a:rPr lang="en-US" dirty="0"/>
-              <a:t> </a:t>
-            </a:r>
-            <a:r>
-              <a:rPr lang="en-US" dirty="0" err="1"/>
-              <a:t>lectus</a:t>
-            </a:r>
-            <a:r>
-              <a:rPr lang="en-US" dirty="0"/>
-              <a:t> </a:t>
-            </a:r>
-            <a:r>
-              <a:rPr lang="en-US" dirty="0" err="1"/>
-              <a:t>malesuada</a:t>
-            </a:r>
-            <a:r>
-              <a:rPr lang="en-US" dirty="0"/>
-              <a:t> libero, sit </a:t>
-            </a:r>
-            <a:r>
-              <a:rPr lang="en-US" dirty="0" err="1"/>
-              <a:t>amet</a:t>
-            </a:r>
-            <a:r>
-              <a:rPr lang="en-US" dirty="0"/>
-              <a:t> </a:t>
-            </a:r>
-            <a:r>
-              <a:rPr lang="en-US" dirty="0" err="1"/>
-              <a:t>commodo</a:t>
-            </a:r>
-            <a:r>
-              <a:rPr lang="en-US" dirty="0"/>
-              <a:t> magna eros </a:t>
-            </a:r>
-            <a:r>
-              <a:rPr lang="en-US" dirty="0" err="1"/>
-              <a:t>quis</a:t>
-            </a:r>
-            <a:r>
-              <a:rPr lang="en-US" dirty="0"/>
-              <a:t> </a:t>
-            </a:r>
-            <a:r>
-              <a:rPr lang="en-US" dirty="0" err="1"/>
-              <a:t>urna</a:t>
-            </a:r>
-            <a:r>
-              <a:rPr lang="en-US" dirty="0"/>
-              <a:t>.</a:t>
+              <a:t>Data Analyst</a:t>
             </a:r>
           </a:p>
           <a:p>
@@ -21537,7 +20239,7 @@
         </p:nvSpPr>
         <p:spPr>
           <a:xfrm>
-            <a:off x="9124851" y="3527892"/>
+            <a:off x="9124851" y="4293209"/>
             <a:ext cx="2588705" cy="495389"/>
           </a:xfrm>
           <a:prstGeom prst="rect">
@@ -21736,7 +20438,7 @@
         </p:nvSpPr>
         <p:spPr>
           <a:xfrm>
-            <a:off x="9397809" y="4040930"/>
+            <a:off x="9397809" y="4806247"/>
             <a:ext cx="2019390" cy="1550675"/>
           </a:xfrm>
           <a:prstGeom prst="rect">
@@ -21914,139 +20616,14 @@
           <a:p>
             <a:r>
               <a:rPr lang="en-US" dirty="0"/>
-              <a:t>Lorem ipsum dolor sit </a:t>
+              <a:t>Data Analyst</a:t>
             </a:r>
-            <a:r>
-              <a:rPr lang="en-US" dirty="0" err="1"/>
-              <a:t>amet</a:t>
-            </a:r>
+          </a:p>
+          <a:p>
             <a:r>
               <a:rPr lang="en-US" dirty="0"/>
-              <a:t>, </a:t>
+              <a:t>Senior member of Group two.  You can call me Pops.</a:t>
             </a:r>
-            <a:r>
-              <a:rPr lang="en-US" dirty="0" err="1"/>
-              <a:t>consectetuer</a:t>
-            </a:r>
-            <a:r>
-              <a:rPr lang="en-US" dirty="0"/>
-              <a:t> </a:t>
-            </a:r>
-            <a:r>
-              <a:rPr lang="en-US" dirty="0" err="1"/>
-              <a:t>adipiscing</a:t>
-            </a:r>
-            <a:r>
-              <a:rPr lang="en-US" dirty="0"/>
-              <a:t> </a:t>
-            </a:r>
-            <a:r>
-              <a:rPr lang="en-US" dirty="0" err="1"/>
-              <a:t>elit</a:t>
-            </a:r>
-            <a:r>
-              <a:rPr lang="en-US" dirty="0"/>
-              <a:t>. Maecenas </a:t>
-            </a:r>
-            <a:r>
-              <a:rPr lang="en-US" dirty="0" err="1"/>
-              <a:t>porttitor</a:t>
-            </a:r>
-            <a:r>
-              <a:rPr lang="en-US" dirty="0"/>
-              <a:t> </a:t>
-            </a:r>
-            <a:r>
-              <a:rPr lang="en-US" dirty="0" err="1"/>
-              <a:t>congue</a:t>
-            </a:r>
-            <a:r>
-              <a:rPr lang="en-US" dirty="0"/>
-              <a:t> </a:t>
-            </a:r>
-            <a:r>
-              <a:rPr lang="en-US" dirty="0" err="1"/>
-              <a:t>massa</a:t>
-            </a:r>
-            <a:r>
-              <a:rPr lang="en-US" dirty="0"/>
-              <a:t>. </a:t>
-            </a:r>
-            <a:r>
-              <a:rPr lang="en-US" dirty="0" err="1"/>
-              <a:t>Fusce</a:t>
-            </a:r>
-            <a:r>
-              <a:rPr lang="en-US" dirty="0"/>
-              <a:t> </a:t>
-            </a:r>
-            <a:r>
-              <a:rPr lang="en-US" dirty="0" err="1"/>
-              <a:t>posuere</a:t>
-            </a:r>
-            <a:r>
-              <a:rPr lang="en-US" dirty="0"/>
-              <a:t>, magna sed pulvinar </a:t>
-            </a:r>
-            <a:r>
-              <a:rPr lang="en-US" dirty="0" err="1"/>
-              <a:t>ultricies</a:t>
-            </a:r>
-            <a:r>
-              <a:rPr lang="en-US" dirty="0"/>
-              <a:t>, </a:t>
-            </a:r>
-            <a:r>
-              <a:rPr lang="en-US" dirty="0" err="1"/>
-              <a:t>purus</a:t>
-            </a:r>
-            <a:r>
-              <a:rPr lang="en-US" dirty="0"/>
-              <a:t> </a:t>
-            </a:r>
-            <a:r>
-              <a:rPr lang="en-US" dirty="0" err="1"/>
-              <a:t>lectus</a:t>
-            </a:r>
-            <a:r>
-              <a:rPr lang="en-US" dirty="0"/>
-              <a:t> </a:t>
-            </a:r>
-            <a:r>
-              <a:rPr lang="en-US" dirty="0" err="1"/>
-              <a:t>malesuada</a:t>
-            </a:r>
-            <a:r>
-              <a:rPr lang="en-US" dirty="0"/>
-              <a:t> libero, sit </a:t>
-            </a:r>
-            <a:r>
-              <a:rPr lang="en-US" dirty="0" err="1"/>
-              <a:t>amet</a:t>
-            </a:r>
-            <a:r>
-              <a:rPr lang="en-US" dirty="0"/>
-              <a:t> </a:t>
-            </a:r>
-            <a:r>
-              <a:rPr lang="en-US" dirty="0" err="1"/>
-              <a:t>commodo</a:t>
-            </a:r>
-            <a:r>
-              <a:rPr lang="en-US" dirty="0"/>
-              <a:t> magna eros is </a:t>
-            </a:r>
-            <a:r>
-              <a:rPr lang="en-US" dirty="0" err="1"/>
-              <a:t>urna</a:t>
-            </a:r>
-            <a:r>
-              <a:rPr lang="en-US" dirty="0"/>
-              <a:t>.</a:t>
-            </a:r>
-          </a:p>
-          <a:p>
-            <a:endParaRPr lang="en-US" dirty="0"/>
           </a:p>
         </p:txBody>
       </p:sp>
@@ -22066,7 +20643,7 @@
         </p:nvSpPr>
         <p:spPr>
           <a:xfrm>
-            <a:off x="518150" y="3391512"/>
+            <a:off x="428699" y="4266153"/>
             <a:ext cx="2588705" cy="495389"/>
           </a:xfrm>
           <a:prstGeom prst="rect">
@@ -22273,7 +20850,7 @@
         </p:nvSpPr>
         <p:spPr>
           <a:xfrm>
-            <a:off x="791108" y="3904550"/>
+            <a:off x="701657" y="4779191"/>
             <a:ext cx="2019390" cy="1550675"/>
           </a:xfrm>
           <a:prstGeom prst="rect">
@@ -22451,143 +21028,7 @@
           <a:p>
             <a:r>
               <a:rPr lang="en-US" dirty="0"/>
-              <a:t>Lorem ipsum dolor sit </a:t>
-            </a:r>
-            <a:r>
-              <a:rPr lang="en-US" dirty="0" err="1"/>
-              <a:t>amet</a:t>
-            </a:r>
-            <a:r>
-              <a:rPr lang="en-US" dirty="0"/>
-              <a:t>, </a:t>
-            </a:r>
-            <a:r>
-              <a:rPr lang="en-US" dirty="0" err="1"/>
-              <a:t>consectetuer</a:t>
-            </a:r>
-            <a:r>
-              <a:rPr lang="en-US" dirty="0"/>
-              <a:t> </a:t>
-            </a:r>
-            <a:r>
-              <a:rPr lang="en-US" dirty="0" err="1"/>
-              <a:t>adipiscing</a:t>
-            </a:r>
-            <a:r>
-              <a:rPr lang="en-US" dirty="0"/>
-              <a:t> </a:t>
-            </a:r>
-            <a:r>
-              <a:rPr lang="en-US" dirty="0" err="1"/>
-              <a:t>elit</a:t>
-            </a:r>
-            <a:r>
-              <a:rPr lang="en-US" dirty="0"/>
-              <a:t>. Maecenas </a:t>
-            </a:r>
-            <a:r>
-              <a:rPr lang="en-US" dirty="0" err="1"/>
-              <a:t>porttitor</a:t>
-            </a:r>
-            <a:r>
-              <a:rPr lang="en-US" dirty="0"/>
-              <a:t> </a:t>
-            </a:r>
-            <a:r>
-              <a:rPr lang="en-US" dirty="0" err="1"/>
-              <a:t>congue</a:t>
-            </a:r>
-            <a:r>
-              <a:rPr lang="en-US" dirty="0"/>
-              <a:t> </a:t>
-            </a:r>
-            <a:r>
-              <a:rPr lang="en-US" dirty="0" err="1"/>
-              <a:t>massa</a:t>
-            </a:r>
-            <a:r>
-              <a:rPr lang="en-US" dirty="0"/>
-              <a:t>. </a:t>
-            </a:r>
-            <a:r>
-              <a:rPr lang="en-US" dirty="0" err="1"/>
-              <a:t>Fusce</a:t>
-            </a:r>
-            <a:r>
-              <a:rPr lang="en-US" dirty="0"/>
-              <a:t> </a:t>
-            </a:r>
-            <a:r>
-              <a:rPr lang="en-US" dirty="0" err="1"/>
-              <a:t>posuere</a:t>
-            </a:r>
-            <a:r>
-              <a:rPr lang="en-US" dirty="0"/>
-              <a:t>, magna sed pulvinar </a:t>
-            </a:r>
-            <a:r>
-              <a:rPr lang="en-US" dirty="0" err="1"/>
-              <a:t>ultricies</a:t>
-            </a:r>
-            <a:r>
-              <a:rPr lang="en-US" dirty="0"/>
-              <a:t>, </a:t>
-            </a:r>
-            <a:r>
-              <a:rPr lang="en-US" dirty="0" err="1"/>
-              <a:t>purus</a:t>
-            </a:r>
-            <a:r>
-              <a:rPr lang="en-US" dirty="0"/>
-              <a:t> </a:t>
-            </a:r>
-            <a:r>
-              <a:rPr lang="en-US" dirty="0" err="1"/>
-              <a:t>lectus</a:t>
-            </a:r>
-            <a:r>
-              <a:rPr lang="en-US" dirty="0"/>
-              <a:t> </a:t>
-            </a:r>
-            <a:r>
-              <a:rPr lang="en-US" dirty="0" err="1"/>
-              <a:t>malesuada</a:t>
-            </a:r>
-            <a:r>
-              <a:rPr lang="en-US" dirty="0"/>
-              <a:t> libero, sit </a:t>
-            </a:r>
-            <a:r>
-              <a:rPr lang="en-US" dirty="0" err="1"/>
-              <a:t>amet</a:t>
-            </a:r>
-            <a:r>
-              <a:rPr lang="en-US" dirty="0"/>
-              <a:t> </a:t>
-            </a:r>
-            <a:r>
-              <a:rPr lang="en-US" dirty="0" err="1"/>
-              <a:t>commodo</a:t>
-            </a:r>
-            <a:r>
-              <a:rPr lang="en-US" dirty="0"/>
-              <a:t> magna eros </a:t>
-            </a:r>
-            <a:r>
-              <a:rPr lang="en-US" dirty="0" err="1"/>
-              <a:t>quis</a:t>
-            </a:r>
-            <a:r>
-              <a:rPr lang="en-US" dirty="0"/>
-              <a:t> </a:t>
-            </a:r>
-            <a:r>
-              <a:rPr lang="en-US" dirty="0" err="1"/>
-              <a:t>urna</a:t>
-            </a:r>
-            <a:r>
-              <a:rPr lang="en-US" dirty="0"/>
-              <a:t>.</a:t>
+              <a:t>Data Analyst</a:t>
             </a:r>
           </a:p>
           <a:p>
@@ -22599,6 +21040,1680 @@
     <p:extLst>
       <p:ext uri="{BB962C8B-B14F-4D97-AF65-F5344CB8AC3E}">
         <p14:creationId xmlns:p14="http://schemas.microsoft.com/office/powerpoint/2010/main" val="1665494975"/>
+      </p:ext>
+    </p:extLst>
+  </p:cSld>
+  <p:clrMapOvr>
+    <a:masterClrMapping/>
+  </p:clrMapOvr>
+</p:sld>
+</file>
+
+<file path=ppt/slides/slide11.xml><?xml version="1.0" encoding="utf-8"?>
+<p:sld xmlns:a="http://schemas.openxmlformats.org/drawingml/2006/main" xmlns:r="http://schemas.openxmlformats.org/officeDocument/2006/relationships" xmlns:p="http://schemas.openxmlformats.org/presentationml/2006/main">
+  <p:cSld>
+    <p:spTree>
+      <p:nvGrpSpPr>
+        <p:cNvPr id="1" name=""/>
+        <p:cNvGrpSpPr/>
+        <p:nvPr/>
+      </p:nvGrpSpPr>
+      <p:grpSpPr>
+        <a:xfrm>
+          <a:off x="0" y="0"/>
+          <a:ext cx="0" cy="0"/>
+          <a:chOff x="0" y="0"/>
+          <a:chExt cx="0" cy="0"/>
+        </a:xfrm>
+      </p:grpSpPr>
+      <p:sp>
+        <p:nvSpPr>
+          <p:cNvPr id="6" name="Title 5">
+            <a:extLst>
+              <a:ext uri="{FF2B5EF4-FFF2-40B4-BE49-F238E27FC236}">
+                <a16:creationId xmlns:a16="http://schemas.microsoft.com/office/drawing/2014/main" id="{95D612B9-68B9-4C9F-98FE-CEE07DB1F00D}"/>
+              </a:ext>
+            </a:extLst>
+          </p:cNvPr>
+          <p:cNvSpPr>
+            <a:spLocks noGrp="1"/>
+          </p:cNvSpPr>
+          <p:nvPr>
+            <p:ph type="ctrTitle"/>
+          </p:nvPr>
+        </p:nvSpPr>
+        <p:spPr>
+          <a:xfrm>
+            <a:off x="6343650" y="2173288"/>
+            <a:ext cx="5143500" cy="2090808"/>
+          </a:xfrm>
+        </p:spPr>
+        <p:txBody>
+          <a:bodyPr anchor="b">
+            <a:normAutofit/>
+          </a:bodyPr>
+          <a:lstStyle/>
+          <a:p>
+            <a:r>
+              <a:rPr lang="en-US" dirty="0"/>
+              <a:t>Thank you!</a:t>
+            </a:r>
+          </a:p>
+        </p:txBody>
+      </p:sp>
+      <p:sp>
+        <p:nvSpPr>
+          <p:cNvPr id="3" name="Text Placeholder 2">
+            <a:extLst>
+              <a:ext uri="{FF2B5EF4-FFF2-40B4-BE49-F238E27FC236}">
+                <a16:creationId xmlns:a16="http://schemas.microsoft.com/office/drawing/2014/main" id="{BDD70D1D-A07E-4AB9-A161-B1BA8D151F18}"/>
+              </a:ext>
+            </a:extLst>
+          </p:cNvPr>
+          <p:cNvSpPr>
+            <a:spLocks noGrp="1"/>
+          </p:cNvSpPr>
+          <p:nvPr>
+            <p:ph type="subTitle" idx="1"/>
+          </p:nvPr>
+        </p:nvSpPr>
+        <p:spPr>
+          <a:xfrm>
+            <a:off x="6343650" y="4279971"/>
+            <a:ext cx="5143500" cy="503167"/>
+          </a:xfrm>
+        </p:spPr>
+        <p:txBody>
+          <a:bodyPr>
+            <a:normAutofit fontScale="62500" lnSpcReduction="20000"/>
+          </a:bodyPr>
+          <a:lstStyle/>
+          <a:p>
+            <a:r>
+              <a:rPr lang="en-US" dirty="0" err="1"/>
+              <a:t>Github</a:t>
+            </a:r>
+            <a:r>
+              <a:rPr lang="en-US" dirty="0"/>
+              <a:t> link</a:t>
+            </a:r>
+          </a:p>
+          <a:p>
+            <a:r>
+              <a:rPr lang="en-US"/>
+              <a:t>https://github.com/msckat11/46220-property-analysis</a:t>
+            </a:r>
+            <a:endParaRPr lang="en-US" dirty="0"/>
+          </a:p>
+        </p:txBody>
+      </p:sp>
+      <p:pic>
+        <p:nvPicPr>
+          <p:cNvPr id="6146" name="Picture 2" descr="Best Location in Broad Ripple- Pet-friendly/ - Bungalows for Rent in  Indianapolis, Indiana, United States">
+            <a:extLst>
+              <a:ext uri="{FF2B5EF4-FFF2-40B4-BE49-F238E27FC236}">
+                <a16:creationId xmlns:a16="http://schemas.microsoft.com/office/drawing/2014/main" id="{9B983FBC-A0A2-4DBA-910B-054FE450AC1C}"/>
+              </a:ext>
+            </a:extLst>
+          </p:cNvPr>
+          <p:cNvPicPr>
+            <a:picLocks noGrp="1" noChangeAspect="1" noChangeArrowheads="1"/>
+          </p:cNvPicPr>
+          <p:nvPr>
+            <p:ph type="pic" sz="quarter" idx="10"/>
+          </p:nvPr>
+        </p:nvPicPr>
+        <p:blipFill>
+          <a:blip r:embed="rId3">
+            <a:extLst>
+              <a:ext uri="{28A0092B-C50C-407E-A947-70E740481C1C}">
+                <a14:useLocalDpi xmlns:a14="http://schemas.microsoft.com/office/drawing/2010/main" val="0"/>
+              </a:ext>
+            </a:extLst>
+          </a:blip>
+          <a:srcRect l="12500" r="12500"/>
+          <a:stretch>
+            <a:fillRect/>
+          </a:stretch>
+        </p:blipFill>
+        <p:spPr bwMode="auto">
+          <a:prstGeom prst="rect">
+            <a:avLst/>
+          </a:prstGeom>
+          <a:noFill/>
+          <a:extLst>
+            <a:ext uri="{909E8E84-426E-40DD-AFC4-6F175D3DCCD1}">
+              <a14:hiddenFill xmlns:a14="http://schemas.microsoft.com/office/drawing/2010/main">
+                <a:solidFill>
+                  <a:srgbClr val="FFFFFF"/>
+                </a:solidFill>
+              </a14:hiddenFill>
+            </a:ext>
+          </a:extLst>
+        </p:spPr>
+      </p:pic>
+    </p:spTree>
+    <p:extLst>
+      <p:ext uri="{BB962C8B-B14F-4D97-AF65-F5344CB8AC3E}">
+        <p14:creationId xmlns:p14="http://schemas.microsoft.com/office/powerpoint/2010/main" val="1124779538"/>
+      </p:ext>
+    </p:extLst>
+  </p:cSld>
+  <p:clrMapOvr>
+    <a:masterClrMapping/>
+  </p:clrMapOvr>
+</p:sld>
+</file>
+
+<file path=ppt/slides/slide2.xml><?xml version="1.0" encoding="utf-8"?>
+<p:sld xmlns:a="http://schemas.openxmlformats.org/drawingml/2006/main" xmlns:r="http://schemas.openxmlformats.org/officeDocument/2006/relationships" xmlns:p="http://schemas.openxmlformats.org/presentationml/2006/main">
+  <p:cSld>
+    <p:spTree>
+      <p:nvGrpSpPr>
+        <p:cNvPr id="1" name=""/>
+        <p:cNvGrpSpPr/>
+        <p:nvPr/>
+      </p:nvGrpSpPr>
+      <p:grpSpPr>
+        <a:xfrm>
+          <a:off x="0" y="0"/>
+          <a:ext cx="0" cy="0"/>
+          <a:chOff x="0" y="0"/>
+          <a:chExt cx="0" cy="0"/>
+        </a:xfrm>
+      </p:grpSpPr>
+      <p:sp>
+        <p:nvSpPr>
+          <p:cNvPr id="2" name="Title 1">
+            <a:extLst>
+              <a:ext uri="{FF2B5EF4-FFF2-40B4-BE49-F238E27FC236}">
+                <a16:creationId xmlns:a16="http://schemas.microsoft.com/office/drawing/2014/main" id="{6C64C2A7-EC84-4D8C-9CA2-F6AE46F51FB6}"/>
+              </a:ext>
+            </a:extLst>
+          </p:cNvPr>
+          <p:cNvSpPr>
+            <a:spLocks noGrp="1"/>
+          </p:cNvSpPr>
+          <p:nvPr>
+            <p:ph type="title"/>
+          </p:nvPr>
+        </p:nvSpPr>
+        <p:spPr>
+          <a:xfrm>
+            <a:off x="831850" y="182563"/>
+            <a:ext cx="10515600" cy="940181"/>
+          </a:xfrm>
+        </p:spPr>
+        <p:txBody>
+          <a:bodyPr anchor="b">
+            <a:normAutofit/>
+          </a:bodyPr>
+          <a:lstStyle/>
+          <a:p>
+            <a:r>
+              <a:rPr lang="en-US" dirty="0"/>
+              <a:t>Theme</a:t>
+            </a:r>
+          </a:p>
+        </p:txBody>
+      </p:sp>
+      <p:sp>
+        <p:nvSpPr>
+          <p:cNvPr id="3" name="Text Placeholder 2">
+            <a:extLst>
+              <a:ext uri="{FF2B5EF4-FFF2-40B4-BE49-F238E27FC236}">
+                <a16:creationId xmlns:a16="http://schemas.microsoft.com/office/drawing/2014/main" id="{56960426-AAA6-4126-93AF-30F7DEE010A4}"/>
+              </a:ext>
+            </a:extLst>
+          </p:cNvPr>
+          <p:cNvSpPr>
+            <a:spLocks noGrp="1"/>
+          </p:cNvSpPr>
+          <p:nvPr>
+            <p:ph type="body" idx="1"/>
+          </p:nvPr>
+        </p:nvSpPr>
+        <p:spPr>
+          <a:xfrm>
+            <a:off x="2939144" y="1154832"/>
+            <a:ext cx="6326329" cy="764460"/>
+          </a:xfrm>
+        </p:spPr>
+        <p:txBody>
+          <a:bodyPr>
+            <a:normAutofit/>
+          </a:bodyPr>
+          <a:lstStyle/>
+          <a:p>
+            <a:r>
+              <a:rPr lang="en-US" sz="1500" dirty="0"/>
+              <a:t>Visualize and bring to life properties within Broad Ripple from a data perspective using a large data file procured from Indiana State Public Records.  </a:t>
+            </a:r>
+          </a:p>
+        </p:txBody>
+      </p:sp>
+      <p:sp>
+        <p:nvSpPr>
+          <p:cNvPr id="4" name="Slide Number Placeholder 3">
+            <a:extLst>
+              <a:ext uri="{FF2B5EF4-FFF2-40B4-BE49-F238E27FC236}">
+                <a16:creationId xmlns:a16="http://schemas.microsoft.com/office/drawing/2014/main" id="{D66E959E-B23F-467A-9B6E-30F9EE969EC2}"/>
+              </a:ext>
+            </a:extLst>
+          </p:cNvPr>
+          <p:cNvSpPr>
+            <a:spLocks noGrp="1"/>
+          </p:cNvSpPr>
+          <p:nvPr>
+            <p:ph type="sldNum" sz="quarter" idx="12"/>
+          </p:nvPr>
+        </p:nvSpPr>
+        <p:spPr>
+          <a:xfrm>
+            <a:off x="11363696" y="6455739"/>
+            <a:ext cx="294460" cy="187367"/>
+          </a:xfrm>
+        </p:spPr>
+        <p:txBody>
+          <a:bodyPr anchor="ctr">
+            <a:normAutofit/>
+          </a:bodyPr>
+          <a:lstStyle/>
+          <a:p>
+            <a:pPr>
+              <a:spcAft>
+                <a:spcPts val="600"/>
+              </a:spcAft>
+            </a:pPr>
+            <a:fld id="{9EC71654-96A5-4280-94F3-931C61A9F92C}" type="slidenum">
+              <a:rPr lang="en-US" smtClean="0"/>
+              <a:pPr>
+                <a:spcAft>
+                  <a:spcPts val="600"/>
+                </a:spcAft>
+              </a:pPr>
+              <a:t>2</a:t>
+            </a:fld>
+            <a:endParaRPr lang="en-US"/>
+          </a:p>
+        </p:txBody>
+      </p:sp>
+      <p:pic>
+        <p:nvPicPr>
+          <p:cNvPr id="3074" name="Picture 2" descr="Urban Impressions: Indianapolis Part 1—Broad Ripple Village | The Fox and  the City">
+            <a:extLst>
+              <a:ext uri="{FF2B5EF4-FFF2-40B4-BE49-F238E27FC236}">
+                <a16:creationId xmlns:a16="http://schemas.microsoft.com/office/drawing/2014/main" id="{4DEAC48B-BCFA-42BD-8FF4-67C9C5F5A6B3}"/>
+              </a:ext>
+            </a:extLst>
+          </p:cNvPr>
+          <p:cNvPicPr>
+            <a:picLocks noChangeAspect="1" noChangeArrowheads="1"/>
+          </p:cNvPicPr>
+          <p:nvPr/>
+        </p:nvPicPr>
+        <p:blipFill rotWithShape="1">
+          <a:blip r:embed="rId3">
+            <a:extLst>
+              <a:ext uri="{28A0092B-C50C-407E-A947-70E740481C1C}">
+                <a14:useLocalDpi xmlns:a14="http://schemas.microsoft.com/office/drawing/2010/main" val="0"/>
+              </a:ext>
+            </a:extLst>
+          </a:blip>
+          <a:srcRect l="2856" r="6840" b="-1"/>
+          <a:stretch/>
+        </p:blipFill>
+        <p:spPr bwMode="auto">
+          <a:xfrm>
+            <a:off x="2993041" y="2270376"/>
+            <a:ext cx="6206400" cy="4587625"/>
+          </a:xfrm>
+          <a:custGeom>
+            <a:avLst/>
+            <a:gdLst>
+              <a:gd name="connsiteX0" fmla="*/ 3103200 w 6206400"/>
+              <a:gd name="connsiteY0" fmla="*/ 0 h 4587625"/>
+              <a:gd name="connsiteX1" fmla="*/ 6206400 w 6206400"/>
+              <a:gd name="connsiteY1" fmla="*/ 3103200 h 4587625"/>
+              <a:gd name="connsiteX2" fmla="*/ 5831861 w 6206400"/>
+              <a:gd name="connsiteY2" fmla="*/ 4582370 h 4587625"/>
+              <a:gd name="connsiteX3" fmla="*/ 5828668 w 6206400"/>
+              <a:gd name="connsiteY3" fmla="*/ 4587625 h 4587625"/>
+              <a:gd name="connsiteX4" fmla="*/ 377733 w 6206400"/>
+              <a:gd name="connsiteY4" fmla="*/ 4587625 h 4587625"/>
+              <a:gd name="connsiteX5" fmla="*/ 374540 w 6206400"/>
+              <a:gd name="connsiteY5" fmla="*/ 4582370 h 4587625"/>
+              <a:gd name="connsiteX6" fmla="*/ 0 w 6206400"/>
+              <a:gd name="connsiteY6" fmla="*/ 3103200 h 4587625"/>
+              <a:gd name="connsiteX7" fmla="*/ 3103200 w 6206400"/>
+              <a:gd name="connsiteY7" fmla="*/ 0 h 4587625"/>
+            </a:gdLst>
+            <a:ahLst/>
+            <a:cxnLst>
+              <a:cxn ang="0">
+                <a:pos x="connsiteX0" y="connsiteY0"/>
+              </a:cxn>
+              <a:cxn ang="0">
+                <a:pos x="connsiteX1" y="connsiteY1"/>
+              </a:cxn>
+              <a:cxn ang="0">
+                <a:pos x="connsiteX2" y="connsiteY2"/>
+              </a:cxn>
+              <a:cxn ang="0">
+                <a:pos x="connsiteX3" y="connsiteY3"/>
+              </a:cxn>
+              <a:cxn ang="0">
+                <a:pos x="connsiteX4" y="connsiteY4"/>
+              </a:cxn>
+              <a:cxn ang="0">
+                <a:pos x="connsiteX5" y="connsiteY5"/>
+              </a:cxn>
+              <a:cxn ang="0">
+                <a:pos x="connsiteX6" y="connsiteY6"/>
+              </a:cxn>
+              <a:cxn ang="0">
+                <a:pos x="connsiteX7" y="connsiteY7"/>
+              </a:cxn>
+            </a:cxnLst>
+            <a:rect l="l" t="t" r="r" b="b"/>
+            <a:pathLst>
+              <a:path w="6206400" h="4587625">
+                <a:moveTo>
+                  <a:pt x="3103200" y="0"/>
+                </a:moveTo>
+                <a:cubicBezTo>
+                  <a:pt x="4817050" y="0"/>
+                  <a:pt x="6206400" y="1389350"/>
+                  <a:pt x="6206400" y="3103200"/>
+                </a:cubicBezTo>
+                <a:cubicBezTo>
+                  <a:pt x="6206400" y="3638778"/>
+                  <a:pt x="6070721" y="4142667"/>
+                  <a:pt x="5831861" y="4582370"/>
+                </a:cubicBezTo>
+                <a:lnTo>
+                  <a:pt x="5828668" y="4587625"/>
+                </a:lnTo>
+                <a:lnTo>
+                  <a:pt x="377733" y="4587625"/>
+                </a:lnTo>
+                <a:lnTo>
+                  <a:pt x="374540" y="4582370"/>
+                </a:lnTo>
+                <a:cubicBezTo>
+                  <a:pt x="135679" y="4142667"/>
+                  <a:pt x="0" y="3638778"/>
+                  <a:pt x="0" y="3103200"/>
+                </a:cubicBezTo>
+                <a:cubicBezTo>
+                  <a:pt x="0" y="1389350"/>
+                  <a:pt x="1389350" y="0"/>
+                  <a:pt x="3103200" y="0"/>
+                </a:cubicBezTo>
+                <a:close/>
+              </a:path>
+            </a:pathLst>
+          </a:custGeom>
+          <a:solidFill>
+            <a:srgbClr val="FFFFFF"/>
+          </a:solidFill>
+        </p:spPr>
+      </p:pic>
+    </p:spTree>
+    <p:extLst>
+      <p:ext uri="{BB962C8B-B14F-4D97-AF65-F5344CB8AC3E}">
+        <p14:creationId xmlns:p14="http://schemas.microsoft.com/office/powerpoint/2010/main" val="3187533055"/>
+      </p:ext>
+    </p:extLst>
+  </p:cSld>
+  <p:clrMapOvr>
+    <a:masterClrMapping/>
+  </p:clrMapOvr>
+</p:sld>
+</file>
+
+<file path=ppt/slides/slide3.xml><?xml version="1.0" encoding="utf-8"?>
+<p:sld xmlns:a="http://schemas.openxmlformats.org/drawingml/2006/main" xmlns:r="http://schemas.openxmlformats.org/officeDocument/2006/relationships" xmlns:p="http://schemas.openxmlformats.org/presentationml/2006/main">
+  <p:cSld>
+    <p:spTree>
+      <p:nvGrpSpPr>
+        <p:cNvPr id="1" name=""/>
+        <p:cNvGrpSpPr/>
+        <p:nvPr/>
+      </p:nvGrpSpPr>
+      <p:grpSpPr>
+        <a:xfrm>
+          <a:off x="0" y="0"/>
+          <a:ext cx="0" cy="0"/>
+          <a:chOff x="0" y="0"/>
+          <a:chExt cx="0" cy="0"/>
+        </a:xfrm>
+      </p:grpSpPr>
+      <p:sp>
+        <p:nvSpPr>
+          <p:cNvPr id="3" name="Content Placeholder 2">
+            <a:extLst>
+              <a:ext uri="{FF2B5EF4-FFF2-40B4-BE49-F238E27FC236}">
+                <a16:creationId xmlns:a16="http://schemas.microsoft.com/office/drawing/2014/main" id="{552A9C73-06ED-419B-81B5-491CBFC22330}"/>
+              </a:ext>
+            </a:extLst>
+          </p:cNvPr>
+          <p:cNvSpPr>
+            <a:spLocks noGrp="1"/>
+          </p:cNvSpPr>
+          <p:nvPr>
+            <p:ph idx="1"/>
+          </p:nvPr>
+        </p:nvSpPr>
+        <p:spPr>
+          <a:xfrm>
+            <a:off x="538960" y="1825625"/>
+            <a:ext cx="4914189" cy="4351338"/>
+          </a:xfrm>
+        </p:spPr>
+        <p:txBody>
+          <a:bodyPr>
+            <a:normAutofit/>
+          </a:bodyPr>
+          <a:lstStyle/>
+          <a:p>
+            <a:r>
+              <a:rPr lang="en-US" dirty="0"/>
+              <a:t>Secured data</a:t>
+            </a:r>
+          </a:p>
+          <a:p>
+            <a:r>
+              <a:rPr lang="en-US" dirty="0"/>
+              <a:t>Brainstormed ideas</a:t>
+            </a:r>
+          </a:p>
+          <a:p>
+            <a:r>
+              <a:rPr lang="en-US" dirty="0"/>
+              <a:t>Settled on html page layout</a:t>
+            </a:r>
+          </a:p>
+          <a:p>
+            <a:r>
+              <a:rPr lang="en-US" dirty="0"/>
+              <a:t>Determined visualization types</a:t>
+            </a:r>
+          </a:p>
+          <a:p>
+            <a:r>
+              <a:rPr lang="en-US" dirty="0"/>
+              <a:t>Cleaned the data</a:t>
+            </a:r>
+          </a:p>
+          <a:p>
+            <a:r>
+              <a:rPr lang="en-US" dirty="0"/>
+              <a:t>Filled in missing information</a:t>
+            </a:r>
+          </a:p>
+          <a:p>
+            <a:r>
+              <a:rPr lang="en-US" dirty="0"/>
+              <a:t>Divided project</a:t>
+            </a:r>
+          </a:p>
+          <a:p>
+            <a:pPr marL="0" indent="0">
+              <a:buNone/>
+            </a:pPr>
+            <a:endParaRPr lang="en-US" dirty="0"/>
+          </a:p>
+        </p:txBody>
+      </p:sp>
+      <p:sp>
+        <p:nvSpPr>
+          <p:cNvPr id="4100" name="Slide Number Placeholder 2">
+            <a:extLst>
+              <a:ext uri="{FF2B5EF4-FFF2-40B4-BE49-F238E27FC236}">
+                <a16:creationId xmlns:a16="http://schemas.microsoft.com/office/drawing/2014/main" id="{FBD6837D-BD50-4CC7-93F2-B6C0198E0828}"/>
+              </a:ext>
+            </a:extLst>
+          </p:cNvPr>
+          <p:cNvSpPr>
+            <a:spLocks noGrp="1"/>
+          </p:cNvSpPr>
+          <p:nvPr>
+            <p:ph type="sldNum" sz="quarter" idx="12"/>
+          </p:nvPr>
+        </p:nvSpPr>
+        <p:spPr>
+          <a:xfrm>
+            <a:off x="11363696" y="6455739"/>
+            <a:ext cx="294460" cy="187367"/>
+          </a:xfrm>
+        </p:spPr>
+        <p:txBody>
+          <a:bodyPr/>
+          <a:lstStyle/>
+          <a:p>
+            <a:pPr>
+              <a:spcAft>
+                <a:spcPts val="600"/>
+              </a:spcAft>
+            </a:pPr>
+            <a:fld id="{9EC71654-96A5-4280-94F3-931C61A9F92C}" type="slidenum">
+              <a:rPr lang="en-US" noProof="0" smtClean="0"/>
+              <a:pPr>
+                <a:spcAft>
+                  <a:spcPts val="600"/>
+                </a:spcAft>
+              </a:pPr>
+              <a:t>3</a:t>
+            </a:fld>
+            <a:endParaRPr lang="en-US" noProof="0"/>
+          </a:p>
+        </p:txBody>
+      </p:sp>
+      <p:pic>
+        <p:nvPicPr>
+          <p:cNvPr id="4098" name="Picture 2" descr="On Raising Kids in Broad Ripple">
+            <a:extLst>
+              <a:ext uri="{FF2B5EF4-FFF2-40B4-BE49-F238E27FC236}">
+                <a16:creationId xmlns:a16="http://schemas.microsoft.com/office/drawing/2014/main" id="{E15FF813-D5FF-4C25-BAC3-F4A48D43DB45}"/>
+              </a:ext>
+            </a:extLst>
+          </p:cNvPr>
+          <p:cNvPicPr>
+            <a:picLocks noGrp="1" noChangeAspect="1" noChangeArrowheads="1"/>
+          </p:cNvPicPr>
+          <p:nvPr>
+            <p:ph type="pic" sz="quarter" idx="13"/>
+          </p:nvPr>
+        </p:nvPicPr>
+        <p:blipFill rotWithShape="1">
+          <a:blip r:embed="rId3">
+            <a:extLst>
+              <a:ext uri="{28A0092B-C50C-407E-A947-70E740481C1C}">
+                <a14:useLocalDpi xmlns:a14="http://schemas.microsoft.com/office/drawing/2010/main" val="0"/>
+              </a:ext>
+            </a:extLst>
+          </a:blip>
+          <a:srcRect l="20939" r="22865"/>
+          <a:stretch/>
+        </p:blipFill>
+        <p:spPr bwMode="auto">
+          <a:xfrm>
+            <a:off x="5884648" y="10"/>
+            <a:ext cx="6307353" cy="5780362"/>
+          </a:xfrm>
+          <a:prstGeom prst="rect">
+            <a:avLst/>
+          </a:prstGeom>
+          <a:noFill/>
+          <a:extLst>
+            <a:ext uri="{909E8E84-426E-40DD-AFC4-6F175D3DCCD1}">
+              <a14:hiddenFill xmlns:a14="http://schemas.microsoft.com/office/drawing/2010/main">
+                <a:solidFill>
+                  <a:srgbClr val="FFFFFF"/>
+                </a:solidFill>
+              </a14:hiddenFill>
+            </a:ext>
+          </a:extLst>
+        </p:spPr>
+      </p:pic>
+      <p:sp>
+        <p:nvSpPr>
+          <p:cNvPr id="2" name="Title 1">
+            <a:extLst>
+              <a:ext uri="{FF2B5EF4-FFF2-40B4-BE49-F238E27FC236}">
+                <a16:creationId xmlns:a16="http://schemas.microsoft.com/office/drawing/2014/main" id="{E2C50832-0B36-43C5-98EC-4CD165D78718}"/>
+              </a:ext>
+            </a:extLst>
+          </p:cNvPr>
+          <p:cNvSpPr>
+            <a:spLocks noGrp="1"/>
+          </p:cNvSpPr>
+          <p:nvPr>
+            <p:ph type="title"/>
+          </p:nvPr>
+        </p:nvSpPr>
+        <p:spPr>
+          <a:xfrm>
+            <a:off x="515938" y="499595"/>
+            <a:ext cx="4937211" cy="1325563"/>
+          </a:xfrm>
+        </p:spPr>
+        <p:txBody>
+          <a:bodyPr anchor="ctr">
+            <a:normAutofit/>
+          </a:bodyPr>
+          <a:lstStyle/>
+          <a:p>
+            <a:r>
+              <a:rPr lang="en-US" dirty="0"/>
+              <a:t>Coding Approach</a:t>
+            </a:r>
+            <a:br>
+              <a:rPr lang="en-US" dirty="0"/>
+            </a:br>
+            <a:endParaRPr lang="en-US" dirty="0"/>
+          </a:p>
+        </p:txBody>
+      </p:sp>
+      <p:sp>
+        <p:nvSpPr>
+          <p:cNvPr id="4" name="Slide Number Placeholder 3" hidden="1">
+            <a:extLst>
+              <a:ext uri="{FF2B5EF4-FFF2-40B4-BE49-F238E27FC236}">
+                <a16:creationId xmlns:a16="http://schemas.microsoft.com/office/drawing/2014/main" id="{3B5C6BAC-F3F8-4AA0-B332-02F663571328}"/>
+              </a:ext>
+            </a:extLst>
+          </p:cNvPr>
+          <p:cNvSpPr>
+            <a:spLocks noGrp="1"/>
+          </p:cNvSpPr>
+          <p:nvPr>
+            <p:ph type="sldNum" sz="quarter" idx="4294967295"/>
+          </p:nvPr>
+        </p:nvSpPr>
+        <p:spPr>
+          <a:xfrm>
+            <a:off x="11363696" y="6455739"/>
+            <a:ext cx="294460" cy="187367"/>
+          </a:xfrm>
+        </p:spPr>
+        <p:txBody>
+          <a:bodyPr/>
+          <a:lstStyle/>
+          <a:p>
+            <a:pPr>
+              <a:spcAft>
+                <a:spcPts val="600"/>
+              </a:spcAft>
+            </a:pPr>
+            <a:fld id="{9EC71654-96A5-4280-94F3-931C61A9F92C}" type="slidenum">
+              <a:rPr lang="en-US" smtClean="0"/>
+              <a:pPr>
+                <a:spcAft>
+                  <a:spcPts val="600"/>
+                </a:spcAft>
+              </a:pPr>
+              <a:t>3</a:t>
+            </a:fld>
+            <a:endParaRPr lang="en-US"/>
+          </a:p>
+        </p:txBody>
+      </p:sp>
+    </p:spTree>
+    <p:extLst>
+      <p:ext uri="{BB962C8B-B14F-4D97-AF65-F5344CB8AC3E}">
+        <p14:creationId xmlns:p14="http://schemas.microsoft.com/office/powerpoint/2010/main" val="433561355"/>
+      </p:ext>
+    </p:extLst>
+  </p:cSld>
+  <p:clrMapOvr>
+    <a:masterClrMapping/>
+  </p:clrMapOvr>
+</p:sld>
+</file>
+
+<file path=ppt/slides/slide4.xml><?xml version="1.0" encoding="utf-8"?>
+<p:sld xmlns:a="http://schemas.openxmlformats.org/drawingml/2006/main" xmlns:r="http://schemas.openxmlformats.org/officeDocument/2006/relationships" xmlns:p="http://schemas.openxmlformats.org/presentationml/2006/main">
+  <p:cSld>
+    <p:spTree>
+      <p:nvGrpSpPr>
+        <p:cNvPr id="1" name=""/>
+        <p:cNvGrpSpPr/>
+        <p:nvPr/>
+      </p:nvGrpSpPr>
+      <p:grpSpPr>
+        <a:xfrm>
+          <a:off x="0" y="0"/>
+          <a:ext cx="0" cy="0"/>
+          <a:chOff x="0" y="0"/>
+          <a:chExt cx="0" cy="0"/>
+        </a:xfrm>
+      </p:grpSpPr>
+      <p:sp>
+        <p:nvSpPr>
+          <p:cNvPr id="3" name="Content Placeholder 2">
+            <a:extLst>
+              <a:ext uri="{FF2B5EF4-FFF2-40B4-BE49-F238E27FC236}">
+                <a16:creationId xmlns:a16="http://schemas.microsoft.com/office/drawing/2014/main" id="{B91B32C0-5E61-447F-9557-57AF415D6FE9}"/>
+              </a:ext>
+            </a:extLst>
+          </p:cNvPr>
+          <p:cNvSpPr>
+            <a:spLocks noGrp="1"/>
+          </p:cNvSpPr>
+          <p:nvPr>
+            <p:ph idx="1"/>
+          </p:nvPr>
+        </p:nvSpPr>
+        <p:spPr>
+          <a:xfrm>
+            <a:off x="538960" y="1825625"/>
+            <a:ext cx="4914189" cy="4351338"/>
+          </a:xfrm>
+        </p:spPr>
+        <p:txBody>
+          <a:bodyPr>
+            <a:normAutofit/>
+          </a:bodyPr>
+          <a:lstStyle/>
+          <a:p>
+            <a:pPr marL="285750" indent="-285750">
+              <a:buFont typeface="Arial" panose="020B0604020202020204" pitchFamily="34" charset="0"/>
+              <a:buChar char="•"/>
+            </a:pPr>
+            <a:r>
+              <a:rPr lang="en-US" dirty="0"/>
+              <a:t>Reduced file size</a:t>
+            </a:r>
+          </a:p>
+          <a:p>
+            <a:pPr marL="285750" indent="-285750">
+              <a:buFont typeface="Arial" panose="020B0604020202020204" pitchFamily="34" charset="0"/>
+              <a:buChar char="•"/>
+            </a:pPr>
+            <a:r>
+              <a:rPr lang="en-US" dirty="0"/>
+              <a:t>Eliminated irrelevant data</a:t>
+            </a:r>
+          </a:p>
+          <a:p>
+            <a:pPr marL="285750" indent="-285750">
+              <a:buFont typeface="Arial" panose="020B0604020202020204" pitchFamily="34" charset="0"/>
+              <a:buChar char="•"/>
+            </a:pPr>
+            <a:r>
+              <a:rPr lang="en-US" dirty="0"/>
+              <a:t>Secured coordinates for each property</a:t>
+            </a:r>
+          </a:p>
+          <a:p>
+            <a:pPr marL="285750" indent="-285750">
+              <a:buFont typeface="Arial" panose="020B0604020202020204" pitchFamily="34" charset="0"/>
+              <a:buChar char="•"/>
+            </a:pPr>
+            <a:r>
+              <a:rPr lang="en-US" dirty="0"/>
+              <a:t>Merged coordinates with cleaned data</a:t>
+            </a:r>
+          </a:p>
+        </p:txBody>
+      </p:sp>
+      <p:sp>
+        <p:nvSpPr>
+          <p:cNvPr id="4" name="Slide Number Placeholder 3">
+            <a:extLst>
+              <a:ext uri="{FF2B5EF4-FFF2-40B4-BE49-F238E27FC236}">
+                <a16:creationId xmlns:a16="http://schemas.microsoft.com/office/drawing/2014/main" id="{0BDDBFEE-BC50-46CF-AB8F-D145B99B57A6}"/>
+              </a:ext>
+            </a:extLst>
+          </p:cNvPr>
+          <p:cNvSpPr>
+            <a:spLocks noGrp="1"/>
+          </p:cNvSpPr>
+          <p:nvPr>
+            <p:ph type="sldNum" sz="quarter" idx="12"/>
+          </p:nvPr>
+        </p:nvSpPr>
+        <p:spPr>
+          <a:xfrm>
+            <a:off x="11363696" y="6455739"/>
+            <a:ext cx="294460" cy="187367"/>
+          </a:xfrm>
+        </p:spPr>
+        <p:txBody>
+          <a:bodyPr anchor="ctr">
+            <a:normAutofit/>
+          </a:bodyPr>
+          <a:lstStyle/>
+          <a:p>
+            <a:pPr>
+              <a:spcAft>
+                <a:spcPts val="600"/>
+              </a:spcAft>
+            </a:pPr>
+            <a:fld id="{9EC71654-96A5-4280-94F3-931C61A9F92C}" type="slidenum">
+              <a:rPr lang="en-US" smtClean="0"/>
+              <a:pPr>
+                <a:spcAft>
+                  <a:spcPts val="600"/>
+                </a:spcAft>
+              </a:pPr>
+              <a:t>4</a:t>
+            </a:fld>
+            <a:endParaRPr lang="en-US"/>
+          </a:p>
+        </p:txBody>
+      </p:sp>
+      <p:pic>
+        <p:nvPicPr>
+          <p:cNvPr id="5122" name="Picture 2" descr="Monon Trail bridge over White River. - Picture of Hotel Broad Ripple,  Indianapolis - Tripadvisor">
+            <a:extLst>
+              <a:ext uri="{FF2B5EF4-FFF2-40B4-BE49-F238E27FC236}">
+                <a16:creationId xmlns:a16="http://schemas.microsoft.com/office/drawing/2014/main" id="{405EE092-0F7A-40C3-9956-0CF7EBA18945}"/>
+              </a:ext>
+            </a:extLst>
+          </p:cNvPr>
+          <p:cNvPicPr>
+            <a:picLocks noGrp="1" noChangeAspect="1" noChangeArrowheads="1"/>
+          </p:cNvPicPr>
+          <p:nvPr>
+            <p:ph type="pic" sz="quarter" idx="13"/>
+          </p:nvPr>
+        </p:nvPicPr>
+        <p:blipFill rotWithShape="1">
+          <a:blip r:embed="rId3">
+            <a:extLst>
+              <a:ext uri="{28A0092B-C50C-407E-A947-70E740481C1C}">
+                <a14:useLocalDpi xmlns:a14="http://schemas.microsoft.com/office/drawing/2010/main" val="0"/>
+              </a:ext>
+            </a:extLst>
+          </a:blip>
+          <a:srcRect l="11102" r="16336" b="1"/>
+          <a:stretch/>
+        </p:blipFill>
+        <p:spPr bwMode="auto">
+          <a:xfrm>
+            <a:off x="5884648" y="10"/>
+            <a:ext cx="6307353" cy="5780362"/>
+          </a:xfrm>
+          <a:prstGeom prst="rect">
+            <a:avLst/>
+          </a:prstGeom>
+          <a:noFill/>
+        </p:spPr>
+      </p:pic>
+      <p:sp>
+        <p:nvSpPr>
+          <p:cNvPr id="2" name="Title 1">
+            <a:extLst>
+              <a:ext uri="{FF2B5EF4-FFF2-40B4-BE49-F238E27FC236}">
+                <a16:creationId xmlns:a16="http://schemas.microsoft.com/office/drawing/2014/main" id="{903A9A18-93E0-4615-B7AA-B8C8FBB14464}"/>
+              </a:ext>
+            </a:extLst>
+          </p:cNvPr>
+          <p:cNvSpPr>
+            <a:spLocks noGrp="1"/>
+          </p:cNvSpPr>
+          <p:nvPr>
+            <p:ph type="title"/>
+          </p:nvPr>
+        </p:nvSpPr>
+        <p:spPr>
+          <a:xfrm>
+            <a:off x="515938" y="499595"/>
+            <a:ext cx="4937211" cy="1325563"/>
+          </a:xfrm>
+        </p:spPr>
+        <p:txBody>
+          <a:bodyPr anchor="ctr">
+            <a:normAutofit/>
+          </a:bodyPr>
+          <a:lstStyle/>
+          <a:p>
+            <a:r>
+              <a:rPr lang="en-US" dirty="0"/>
+              <a:t>Data Munging Techniques</a:t>
+            </a:r>
+            <a:br>
+              <a:rPr lang="en-US" dirty="0"/>
+            </a:br>
+            <a:endParaRPr lang="en-US" dirty="0"/>
+          </a:p>
+        </p:txBody>
+      </p:sp>
+    </p:spTree>
+    <p:extLst>
+      <p:ext uri="{BB962C8B-B14F-4D97-AF65-F5344CB8AC3E}">
+        <p14:creationId xmlns:p14="http://schemas.microsoft.com/office/powerpoint/2010/main" val="961730162"/>
+      </p:ext>
+    </p:extLst>
+  </p:cSld>
+  <p:clrMapOvr>
+    <a:masterClrMapping/>
+  </p:clrMapOvr>
+</p:sld>
+</file>
+
+<file path=ppt/slides/slide5.xml><?xml version="1.0" encoding="utf-8"?>
+<p:sld xmlns:a="http://schemas.openxmlformats.org/drawingml/2006/main" xmlns:r="http://schemas.openxmlformats.org/officeDocument/2006/relationships" xmlns:p="http://schemas.openxmlformats.org/presentationml/2006/main">
+  <p:cSld>
+    <p:spTree>
+      <p:nvGrpSpPr>
+        <p:cNvPr id="1" name=""/>
+        <p:cNvGrpSpPr/>
+        <p:nvPr/>
+      </p:nvGrpSpPr>
+      <p:grpSpPr>
+        <a:xfrm>
+          <a:off x="0" y="0"/>
+          <a:ext cx="0" cy="0"/>
+          <a:chOff x="0" y="0"/>
+          <a:chExt cx="0" cy="0"/>
+        </a:xfrm>
+      </p:grpSpPr>
+      <p:sp>
+        <p:nvSpPr>
+          <p:cNvPr id="3" name="Slide Number Placeholder 2">
+            <a:extLst>
+              <a:ext uri="{FF2B5EF4-FFF2-40B4-BE49-F238E27FC236}">
+                <a16:creationId xmlns:a16="http://schemas.microsoft.com/office/drawing/2014/main" id="{EB5F9B50-CED9-4961-91E8-058BE256771F}"/>
+              </a:ext>
+            </a:extLst>
+          </p:cNvPr>
+          <p:cNvSpPr>
+            <a:spLocks noGrp="1"/>
+          </p:cNvSpPr>
+          <p:nvPr>
+            <p:ph type="sldNum" sz="quarter" idx="12"/>
+          </p:nvPr>
+        </p:nvSpPr>
+        <p:spPr>
+          <a:xfrm>
+            <a:off x="11363696" y="6455739"/>
+            <a:ext cx="294460" cy="187367"/>
+          </a:xfrm>
+        </p:spPr>
+        <p:txBody>
+          <a:bodyPr anchor="ctr">
+            <a:normAutofit/>
+          </a:bodyPr>
+          <a:lstStyle/>
+          <a:p>
+            <a:pPr>
+              <a:spcAft>
+                <a:spcPts val="600"/>
+              </a:spcAft>
+            </a:pPr>
+            <a:fld id="{9EC71654-96A5-4280-94F3-931C61A9F92C}" type="slidenum">
+              <a:rPr lang="en-US" smtClean="0"/>
+              <a:pPr>
+                <a:spcAft>
+                  <a:spcPts val="600"/>
+                </a:spcAft>
+              </a:pPr>
+              <a:t>5</a:t>
+            </a:fld>
+            <a:endParaRPr lang="en-US"/>
+          </a:p>
+        </p:txBody>
+      </p:sp>
+      <p:pic>
+        <p:nvPicPr>
+          <p:cNvPr id="7" name="chart">
+            <a:extLst>
+              <a:ext uri="{FF2B5EF4-FFF2-40B4-BE49-F238E27FC236}">
+                <a16:creationId xmlns:a16="http://schemas.microsoft.com/office/drawing/2014/main" id="{4D9787CC-7952-4D80-AC04-14D57898876D}"/>
+              </a:ext>
+            </a:extLst>
+          </p:cNvPr>
+          <p:cNvPicPr>
+            <a:picLocks noChangeAspect="1"/>
+          </p:cNvPicPr>
+          <p:nvPr/>
+        </p:nvPicPr>
+        <p:blipFill rotWithShape="1">
+          <a:blip r:embed="rId3"/>
+          <a:srcRect r="142"/>
+          <a:stretch/>
+        </p:blipFill>
+        <p:spPr>
+          <a:xfrm>
+            <a:off x="592138" y="3241963"/>
+            <a:ext cx="3712382" cy="2934999"/>
+          </a:xfrm>
+          <a:prstGeom prst="rect">
+            <a:avLst/>
+          </a:prstGeom>
+          <a:noFill/>
+        </p:spPr>
+      </p:pic>
+      <p:pic>
+        <p:nvPicPr>
+          <p:cNvPr id="4" name="Picture 3">
+            <a:extLst>
+              <a:ext uri="{FF2B5EF4-FFF2-40B4-BE49-F238E27FC236}">
+                <a16:creationId xmlns:a16="http://schemas.microsoft.com/office/drawing/2014/main" id="{8AA9E46D-F037-42B1-BC42-320577CC49F8}"/>
+              </a:ext>
+            </a:extLst>
+          </p:cNvPr>
+          <p:cNvPicPr>
+            <a:picLocks noChangeAspect="1"/>
+          </p:cNvPicPr>
+          <p:nvPr/>
+        </p:nvPicPr>
+        <p:blipFill rotWithShape="1">
+          <a:blip r:embed="rId4"/>
+          <a:srcRect t="5085" r="-2" b="7801"/>
+          <a:stretch/>
+        </p:blipFill>
+        <p:spPr>
+          <a:xfrm>
+            <a:off x="5268192" y="1616617"/>
+            <a:ext cx="5856514" cy="4560345"/>
+          </a:xfrm>
+          <a:prstGeom prst="rect">
+            <a:avLst/>
+          </a:prstGeom>
+          <a:noFill/>
+        </p:spPr>
+      </p:pic>
+      <p:sp>
+        <p:nvSpPr>
+          <p:cNvPr id="2" name="Title 1">
+            <a:extLst>
+              <a:ext uri="{FF2B5EF4-FFF2-40B4-BE49-F238E27FC236}">
+                <a16:creationId xmlns:a16="http://schemas.microsoft.com/office/drawing/2014/main" id="{4332B532-EB3E-428B-9224-EFA237D16A73}"/>
+              </a:ext>
+            </a:extLst>
+          </p:cNvPr>
+          <p:cNvSpPr>
+            <a:spLocks noGrp="1"/>
+          </p:cNvSpPr>
+          <p:nvPr>
+            <p:ph type="title"/>
+          </p:nvPr>
+        </p:nvSpPr>
+        <p:spPr>
+          <a:xfrm>
+            <a:off x="515938" y="246621"/>
+            <a:ext cx="11150600" cy="920336"/>
+          </a:xfrm>
+        </p:spPr>
+        <p:txBody>
+          <a:bodyPr anchor="b">
+            <a:normAutofit/>
+          </a:bodyPr>
+          <a:lstStyle/>
+          <a:p>
+            <a:r>
+              <a:rPr lang="en-US" dirty="0"/>
+              <a:t>Property code breakdown</a:t>
+            </a:r>
+          </a:p>
+        </p:txBody>
+      </p:sp>
+    </p:spTree>
+    <p:extLst>
+      <p:ext uri="{BB962C8B-B14F-4D97-AF65-F5344CB8AC3E}">
+        <p14:creationId xmlns:p14="http://schemas.microsoft.com/office/powerpoint/2010/main" val="1169930804"/>
+      </p:ext>
+    </p:extLst>
+  </p:cSld>
+  <p:clrMapOvr>
+    <a:masterClrMapping/>
+  </p:clrMapOvr>
+</p:sld>
+</file>
+
+<file path=ppt/slides/slide6.xml><?xml version="1.0" encoding="utf-8"?>
+<p:sld xmlns:a="http://schemas.openxmlformats.org/drawingml/2006/main" xmlns:r="http://schemas.openxmlformats.org/officeDocument/2006/relationships" xmlns:p="http://schemas.openxmlformats.org/presentationml/2006/main">
+  <p:cSld>
+    <p:spTree>
+      <p:nvGrpSpPr>
+        <p:cNvPr id="1" name=""/>
+        <p:cNvGrpSpPr/>
+        <p:nvPr/>
+      </p:nvGrpSpPr>
+      <p:grpSpPr>
+        <a:xfrm>
+          <a:off x="0" y="0"/>
+          <a:ext cx="0" cy="0"/>
+          <a:chOff x="0" y="0"/>
+          <a:chExt cx="0" cy="0"/>
+        </a:xfrm>
+      </p:grpSpPr>
+      <p:sp>
+        <p:nvSpPr>
+          <p:cNvPr id="3" name="Slide Number Placeholder 2">
+            <a:extLst>
+              <a:ext uri="{FF2B5EF4-FFF2-40B4-BE49-F238E27FC236}">
+                <a16:creationId xmlns:a16="http://schemas.microsoft.com/office/drawing/2014/main" id="{52831171-ADDA-428F-9986-5B1064EA21F9}"/>
+              </a:ext>
+            </a:extLst>
+          </p:cNvPr>
+          <p:cNvSpPr>
+            <a:spLocks noGrp="1"/>
+          </p:cNvSpPr>
+          <p:nvPr>
+            <p:ph type="sldNum" sz="quarter" idx="12"/>
+          </p:nvPr>
+        </p:nvSpPr>
+        <p:spPr>
+          <a:xfrm>
+            <a:off x="11363696" y="6455739"/>
+            <a:ext cx="294460" cy="187367"/>
+          </a:xfrm>
+        </p:spPr>
+        <p:txBody>
+          <a:bodyPr anchor="ctr">
+            <a:normAutofit/>
+          </a:bodyPr>
+          <a:lstStyle/>
+          <a:p>
+            <a:pPr>
+              <a:spcAft>
+                <a:spcPts val="600"/>
+              </a:spcAft>
+            </a:pPr>
+            <a:fld id="{9EC71654-96A5-4280-94F3-931C61A9F92C}" type="slidenum">
+              <a:rPr lang="en-US" noProof="0" smtClean="0"/>
+              <a:pPr>
+                <a:spcAft>
+                  <a:spcPts val="600"/>
+                </a:spcAft>
+              </a:pPr>
+              <a:t>6</a:t>
+            </a:fld>
+            <a:endParaRPr lang="en-US" noProof="0"/>
+          </a:p>
+        </p:txBody>
+      </p:sp>
+      <p:pic>
+        <p:nvPicPr>
+          <p:cNvPr id="4" name="chart">
+            <a:extLst>
+              <a:ext uri="{FF2B5EF4-FFF2-40B4-BE49-F238E27FC236}">
+                <a16:creationId xmlns:a16="http://schemas.microsoft.com/office/drawing/2014/main" id="{165A9EBB-CDE5-4C06-9CAD-1D709439524F}"/>
+              </a:ext>
+            </a:extLst>
+          </p:cNvPr>
+          <p:cNvPicPr>
+            <a:picLocks noChangeAspect="1"/>
+          </p:cNvPicPr>
+          <p:nvPr/>
+        </p:nvPicPr>
+        <p:blipFill>
+          <a:blip r:embed="rId2"/>
+          <a:stretch>
+            <a:fillRect/>
+          </a:stretch>
+        </p:blipFill>
+        <p:spPr>
+          <a:xfrm>
+            <a:off x="1430341" y="1501373"/>
+            <a:ext cx="9160325" cy="4096542"/>
+          </a:xfrm>
+          <a:prstGeom prst="rect">
+            <a:avLst/>
+          </a:prstGeom>
+          <a:noFill/>
+        </p:spPr>
+      </p:pic>
+      <p:sp>
+        <p:nvSpPr>
+          <p:cNvPr id="2" name="Title 1">
+            <a:extLst>
+              <a:ext uri="{FF2B5EF4-FFF2-40B4-BE49-F238E27FC236}">
+                <a16:creationId xmlns:a16="http://schemas.microsoft.com/office/drawing/2014/main" id="{AB41AC4B-A323-4E20-86A9-0CB2ABC38EB0}"/>
+              </a:ext>
+            </a:extLst>
+          </p:cNvPr>
+          <p:cNvSpPr>
+            <a:spLocks noGrp="1"/>
+          </p:cNvSpPr>
+          <p:nvPr>
+            <p:ph type="title"/>
+          </p:nvPr>
+        </p:nvSpPr>
+        <p:spPr>
+          <a:xfrm>
+            <a:off x="515938" y="246621"/>
+            <a:ext cx="11150600" cy="920336"/>
+          </a:xfrm>
+        </p:spPr>
+        <p:txBody>
+          <a:bodyPr anchor="b">
+            <a:normAutofit/>
+          </a:bodyPr>
+          <a:lstStyle/>
+          <a:p>
+            <a:r>
+              <a:rPr lang="en-US" dirty="0"/>
+              <a:t>Pedestrian friendly broad ripple</a:t>
+            </a:r>
+          </a:p>
+        </p:txBody>
+      </p:sp>
+    </p:spTree>
+    <p:extLst>
+      <p:ext uri="{BB962C8B-B14F-4D97-AF65-F5344CB8AC3E}">
+        <p14:creationId xmlns:p14="http://schemas.microsoft.com/office/powerpoint/2010/main" val="3732066525"/>
+      </p:ext>
+    </p:extLst>
+  </p:cSld>
+  <p:clrMapOvr>
+    <a:masterClrMapping/>
+  </p:clrMapOvr>
+</p:sld>
+</file>
+
+<file path=ppt/slides/slide7.xml><?xml version="1.0" encoding="utf-8"?>
+<p:sld xmlns:a="http://schemas.openxmlformats.org/drawingml/2006/main" xmlns:r="http://schemas.openxmlformats.org/officeDocument/2006/relationships" xmlns:p="http://schemas.openxmlformats.org/presentationml/2006/main">
+  <p:cSld>
+    <p:spTree>
+      <p:nvGrpSpPr>
+        <p:cNvPr id="1" name=""/>
+        <p:cNvGrpSpPr/>
+        <p:nvPr/>
+      </p:nvGrpSpPr>
+      <p:grpSpPr>
+        <a:xfrm>
+          <a:off x="0" y="0"/>
+          <a:ext cx="0" cy="0"/>
+          <a:chOff x="0" y="0"/>
+          <a:chExt cx="0" cy="0"/>
+        </a:xfrm>
+      </p:grpSpPr>
+      <p:sp>
+        <p:nvSpPr>
+          <p:cNvPr id="7" name="Title 1"/>
+          <p:cNvSpPr>
+            <a:spLocks noGrp="1"/>
+          </p:cNvSpPr>
+          <p:nvPr>
+            <p:ph type="title"/>
+          </p:nvPr>
+        </p:nvSpPr>
+        <p:spPr>
+          <a:xfrm>
+            <a:off x="507556" y="214894"/>
+            <a:ext cx="11150600" cy="920336"/>
+          </a:xfrm>
+        </p:spPr>
+        <p:txBody>
+          <a:bodyPr/>
+          <a:lstStyle/>
+          <a:p>
+            <a:r>
+              <a:rPr lang="en-US" dirty="0"/>
+              <a:t>42660 Property listings by value</a:t>
+            </a:r>
+          </a:p>
+        </p:txBody>
+      </p:sp>
+      <p:sp>
+        <p:nvSpPr>
+          <p:cNvPr id="4" name="Slide Number Placeholder 3"/>
+          <p:cNvSpPr>
+            <a:spLocks noGrp="1"/>
+          </p:cNvSpPr>
+          <p:nvPr>
+            <p:ph type="sldNum" sz="quarter" idx="12"/>
+          </p:nvPr>
+        </p:nvSpPr>
+        <p:spPr/>
+        <p:txBody>
+          <a:bodyPr/>
+          <a:lstStyle/>
+          <a:p>
+            <a:r>
+              <a:rPr lang="en-US"/>
+              <a:t>9</a:t>
+            </a:r>
+            <a:endParaRPr lang="en-US" dirty="0"/>
+          </a:p>
+        </p:txBody>
+      </p:sp>
+      <p:pic>
+        <p:nvPicPr>
+          <p:cNvPr id="2" name="Picture 1">
+            <a:extLst>
+              <a:ext uri="{FF2B5EF4-FFF2-40B4-BE49-F238E27FC236}">
+                <a16:creationId xmlns:a16="http://schemas.microsoft.com/office/drawing/2014/main" id="{D13A0F35-05CE-4AF2-9582-255FA9A6745C}"/>
+              </a:ext>
+            </a:extLst>
+          </p:cNvPr>
+          <p:cNvPicPr>
+            <a:picLocks noChangeAspect="1"/>
+          </p:cNvPicPr>
+          <p:nvPr/>
+        </p:nvPicPr>
+        <p:blipFill rotWithShape="1">
+          <a:blip r:embed="rId3"/>
+          <a:srcRect l="21951" r="1"/>
+          <a:stretch/>
+        </p:blipFill>
+        <p:spPr>
+          <a:xfrm>
+            <a:off x="1122947" y="1304422"/>
+            <a:ext cx="9762623" cy="4762500"/>
+          </a:xfrm>
+          <a:prstGeom prst="rect">
+            <a:avLst/>
+          </a:prstGeom>
+        </p:spPr>
+      </p:pic>
+    </p:spTree>
+    <p:extLst>
+      <p:ext uri="{BB962C8B-B14F-4D97-AF65-F5344CB8AC3E}">
+        <p14:creationId xmlns:p14="http://schemas.microsoft.com/office/powerpoint/2010/main" val="688656153"/>
+      </p:ext>
+    </p:extLst>
+  </p:cSld>
+  <p:clrMapOvr>
+    <a:masterClrMapping/>
+  </p:clrMapOvr>
+</p:sld>
+</file>
+
+<file path=ppt/slides/slide8.xml><?xml version="1.0" encoding="utf-8"?>
+<p:sld xmlns:a="http://schemas.openxmlformats.org/drawingml/2006/main" xmlns:r="http://schemas.openxmlformats.org/officeDocument/2006/relationships" xmlns:p="http://schemas.openxmlformats.org/presentationml/2006/main">
+  <p:cSld>
+    <p:spTree>
+      <p:nvGrpSpPr>
+        <p:cNvPr id="1" name=""/>
+        <p:cNvGrpSpPr/>
+        <p:nvPr/>
+      </p:nvGrpSpPr>
+      <p:grpSpPr>
+        <a:xfrm>
+          <a:off x="0" y="0"/>
+          <a:ext cx="0" cy="0"/>
+          <a:chOff x="0" y="0"/>
+          <a:chExt cx="0" cy="0"/>
+        </a:xfrm>
+      </p:grpSpPr>
+      <p:sp>
+        <p:nvSpPr>
+          <p:cNvPr id="11" name="Content Placeholder 1">
+            <a:extLst>
+              <a:ext uri="{FF2B5EF4-FFF2-40B4-BE49-F238E27FC236}">
+                <a16:creationId xmlns:a16="http://schemas.microsoft.com/office/drawing/2014/main" id="{9599DFD2-EF5C-4B53-A184-743E097F4002}"/>
+              </a:ext>
+            </a:extLst>
+          </p:cNvPr>
+          <p:cNvSpPr>
+            <a:spLocks noGrp="1"/>
+          </p:cNvSpPr>
+          <p:nvPr>
+            <p:ph idx="1"/>
+          </p:nvPr>
+        </p:nvSpPr>
+        <p:spPr>
+          <a:xfrm>
+            <a:off x="538960" y="1825625"/>
+            <a:ext cx="4914189" cy="4351338"/>
+          </a:xfrm>
+        </p:spPr>
+        <p:txBody>
+          <a:bodyPr>
+            <a:normAutofit/>
+          </a:bodyPr>
+          <a:lstStyle/>
+          <a:p>
+            <a:r>
+              <a:rPr lang="en-US" sz="1500" dirty="0"/>
+              <a:t>Broad Ripple</a:t>
+            </a:r>
+          </a:p>
+          <a:p>
+            <a:r>
+              <a:rPr lang="en-US" sz="1500" dirty="0"/>
+              <a:t>Glendale</a:t>
+            </a:r>
+          </a:p>
+          <a:p>
+            <a:r>
+              <a:rPr lang="en-US" sz="1500" dirty="0"/>
+              <a:t>Meridian Kessler</a:t>
+            </a:r>
+          </a:p>
+          <a:p>
+            <a:r>
+              <a:rPr lang="en-US" sz="1500" dirty="0"/>
+              <a:t>Canterbury-</a:t>
+            </a:r>
+            <a:r>
+              <a:rPr lang="en-US" sz="1500" dirty="0" err="1"/>
+              <a:t>Chatard</a:t>
+            </a:r>
+            <a:endParaRPr lang="en-US" sz="1500" dirty="0"/>
+          </a:p>
+          <a:p>
+            <a:r>
+              <a:rPr lang="en-US" sz="1500" dirty="0"/>
+              <a:t>Allisonville</a:t>
+            </a:r>
+          </a:p>
+          <a:p>
+            <a:r>
+              <a:rPr lang="en-US" sz="1500" dirty="0"/>
+              <a:t>Devonshire</a:t>
+            </a:r>
+          </a:p>
+          <a:p>
+            <a:r>
+              <a:rPr lang="en-US" sz="1500" dirty="0"/>
+              <a:t>Millersville</a:t>
+            </a:r>
+          </a:p>
+          <a:p>
+            <a:r>
+              <a:rPr lang="en-US" sz="1500" dirty="0"/>
+              <a:t>North Central</a:t>
+            </a:r>
+          </a:p>
+          <a:p>
+            <a:r>
+              <a:rPr lang="en-US" sz="1500" dirty="0"/>
+              <a:t>Meridian Hills/Williams Creek</a:t>
+            </a:r>
+          </a:p>
+          <a:p>
+            <a:r>
+              <a:rPr lang="en-US" sz="1500" dirty="0"/>
+              <a:t>Ravenswood</a:t>
+            </a:r>
+          </a:p>
+          <a:p>
+            <a:r>
+              <a:rPr lang="en-US" sz="1500" dirty="0"/>
+              <a:t>Clearwater</a:t>
+            </a:r>
+          </a:p>
+          <a:p>
+            <a:r>
+              <a:rPr lang="en-US" sz="1500" dirty="0"/>
+              <a:t>I-69/Fall Creek</a:t>
+            </a:r>
+          </a:p>
+          <a:p>
+            <a:r>
+              <a:rPr lang="en-US" sz="1500" dirty="0"/>
+              <a:t>Devon</a:t>
+            </a:r>
+          </a:p>
+        </p:txBody>
+      </p:sp>
+      <p:sp>
+        <p:nvSpPr>
+          <p:cNvPr id="3" name="Slide Number Placeholder 2">
+            <a:extLst>
+              <a:ext uri="{FF2B5EF4-FFF2-40B4-BE49-F238E27FC236}">
+                <a16:creationId xmlns:a16="http://schemas.microsoft.com/office/drawing/2014/main" id="{40FA33BA-5E4E-4F03-9FBE-11752B67EE94}"/>
+              </a:ext>
+            </a:extLst>
+          </p:cNvPr>
+          <p:cNvSpPr>
+            <a:spLocks noGrp="1"/>
+          </p:cNvSpPr>
+          <p:nvPr>
+            <p:ph type="sldNum" sz="quarter" idx="12"/>
+          </p:nvPr>
+        </p:nvSpPr>
+        <p:spPr>
+          <a:xfrm>
+            <a:off x="11363696" y="6455739"/>
+            <a:ext cx="294460" cy="187367"/>
+          </a:xfrm>
+        </p:spPr>
+        <p:txBody>
+          <a:bodyPr anchor="ctr">
+            <a:normAutofit/>
+          </a:bodyPr>
+          <a:lstStyle/>
+          <a:p>
+            <a:pPr>
+              <a:spcAft>
+                <a:spcPts val="600"/>
+              </a:spcAft>
+            </a:pPr>
+            <a:fld id="{9EC71654-96A5-4280-94F3-931C61A9F92C}" type="slidenum">
+              <a:rPr lang="en-US" noProof="0" smtClean="0"/>
+              <a:pPr>
+                <a:spcAft>
+                  <a:spcPts val="600"/>
+                </a:spcAft>
+              </a:pPr>
+              <a:t>8</a:t>
+            </a:fld>
+            <a:endParaRPr lang="en-US" noProof="0"/>
+          </a:p>
+        </p:txBody>
+      </p:sp>
+      <p:pic>
+        <p:nvPicPr>
+          <p:cNvPr id="6" name="Picture 5">
+            <a:extLst>
+              <a:ext uri="{FF2B5EF4-FFF2-40B4-BE49-F238E27FC236}">
+                <a16:creationId xmlns:a16="http://schemas.microsoft.com/office/drawing/2014/main" id="{B9B42CAB-E398-4E22-A45D-8EDF82C94F64}"/>
+              </a:ext>
+            </a:extLst>
+          </p:cNvPr>
+          <p:cNvPicPr>
+            <a:picLocks noChangeAspect="1"/>
+          </p:cNvPicPr>
+          <p:nvPr/>
+        </p:nvPicPr>
+        <p:blipFill rotWithShape="1">
+          <a:blip r:embed="rId2"/>
+          <a:srcRect l="17523" r="27100" b="1"/>
+          <a:stretch/>
+        </p:blipFill>
+        <p:spPr>
+          <a:xfrm>
+            <a:off x="5884648" y="10"/>
+            <a:ext cx="6307353" cy="5780362"/>
+          </a:xfrm>
+          <a:custGeom>
+            <a:avLst/>
+            <a:gdLst>
+              <a:gd name="connsiteX0" fmla="*/ 760444 w 6307353"/>
+              <a:gd name="connsiteY0" fmla="*/ 0 h 5780372"/>
+              <a:gd name="connsiteX1" fmla="*/ 6307353 w 6307353"/>
+              <a:gd name="connsiteY1" fmla="*/ 0 h 5780372"/>
+              <a:gd name="connsiteX2" fmla="*/ 6307353 w 6307353"/>
+              <a:gd name="connsiteY2" fmla="*/ 4515612 h 5780372"/>
+              <a:gd name="connsiteX3" fmla="*/ 6110746 w 6307353"/>
+              <a:gd name="connsiteY3" fmla="*/ 4731934 h 5780372"/>
+              <a:gd name="connsiteX4" fmla="*/ 3579592 w 6307353"/>
+              <a:gd name="connsiteY4" fmla="*/ 5780372 h 5780372"/>
+              <a:gd name="connsiteX5" fmla="*/ 0 w 6307353"/>
+              <a:gd name="connsiteY5" fmla="*/ 2200780 h 5780372"/>
+              <a:gd name="connsiteX6" fmla="*/ 611338 w 6307353"/>
+              <a:gd name="connsiteY6" fmla="*/ 199396 h 5780372"/>
+            </a:gdLst>
+            <a:ahLst/>
+            <a:cxnLst>
+              <a:cxn ang="0">
+                <a:pos x="connsiteX0" y="connsiteY0"/>
+              </a:cxn>
+              <a:cxn ang="0">
+                <a:pos x="connsiteX1" y="connsiteY1"/>
+              </a:cxn>
+              <a:cxn ang="0">
+                <a:pos x="connsiteX2" y="connsiteY2"/>
+              </a:cxn>
+              <a:cxn ang="0">
+                <a:pos x="connsiteX3" y="connsiteY3"/>
+              </a:cxn>
+              <a:cxn ang="0">
+                <a:pos x="connsiteX4" y="connsiteY4"/>
+              </a:cxn>
+              <a:cxn ang="0">
+                <a:pos x="connsiteX5" y="connsiteY5"/>
+              </a:cxn>
+              <a:cxn ang="0">
+                <a:pos x="connsiteX6" y="connsiteY6"/>
+              </a:cxn>
+            </a:cxnLst>
+            <a:rect l="l" t="t" r="r" b="b"/>
+            <a:pathLst>
+              <a:path w="6307353" h="5780372">
+                <a:moveTo>
+                  <a:pt x="760444" y="0"/>
+                </a:moveTo>
+                <a:lnTo>
+                  <a:pt x="6307353" y="0"/>
+                </a:lnTo>
+                <a:lnTo>
+                  <a:pt x="6307353" y="4515612"/>
+                </a:lnTo>
+                <a:lnTo>
+                  <a:pt x="6110746" y="4731934"/>
+                </a:lnTo>
+                <a:cubicBezTo>
+                  <a:pt x="5462967" y="5379713"/>
+                  <a:pt x="4568069" y="5780372"/>
+                  <a:pt x="3579592" y="5780372"/>
+                </a:cubicBezTo>
+                <a:cubicBezTo>
+                  <a:pt x="1602638" y="5780372"/>
+                  <a:pt x="0" y="4177734"/>
+                  <a:pt x="0" y="2200780"/>
+                </a:cubicBezTo>
+                <a:cubicBezTo>
+                  <a:pt x="0" y="1459422"/>
+                  <a:pt x="225371" y="770703"/>
+                  <a:pt x="611338" y="199396"/>
+                </a:cubicBezTo>
+                <a:close/>
+              </a:path>
+            </a:pathLst>
+          </a:custGeom>
+          <a:noFill/>
+        </p:spPr>
+      </p:pic>
+      <p:sp>
+        <p:nvSpPr>
+          <p:cNvPr id="2" name="Title 1">
+            <a:extLst>
+              <a:ext uri="{FF2B5EF4-FFF2-40B4-BE49-F238E27FC236}">
+                <a16:creationId xmlns:a16="http://schemas.microsoft.com/office/drawing/2014/main" id="{499EAF34-4466-416F-8082-DCD8ECE8CEBA}"/>
+              </a:ext>
+            </a:extLst>
+          </p:cNvPr>
+          <p:cNvSpPr>
+            <a:spLocks noGrp="1"/>
+          </p:cNvSpPr>
+          <p:nvPr>
+            <p:ph type="title"/>
+          </p:nvPr>
+        </p:nvSpPr>
+        <p:spPr>
+          <a:xfrm>
+            <a:off x="515938" y="499595"/>
+            <a:ext cx="4937211" cy="1325563"/>
+          </a:xfrm>
+        </p:spPr>
+        <p:txBody>
+          <a:bodyPr anchor="ctr">
+            <a:normAutofit/>
+          </a:bodyPr>
+          <a:lstStyle/>
+          <a:p>
+            <a:r>
+              <a:rPr lang="en-US" dirty="0"/>
+              <a:t>The Neighborhoods of  		42660</a:t>
+            </a:r>
+          </a:p>
+        </p:txBody>
+      </p:sp>
+    </p:spTree>
+    <p:extLst>
+      <p:ext uri="{BB962C8B-B14F-4D97-AF65-F5344CB8AC3E}">
+        <p14:creationId xmlns:p14="http://schemas.microsoft.com/office/powerpoint/2010/main" val="3383382483"/>
       </p:ext>
     </p:extLst>
   </p:cSld>
@@ -22627,10 +22742,10 @@
       </p:grpSpPr>
       <p:sp>
         <p:nvSpPr>
-          <p:cNvPr id="6" name="Title 5">
+          <p:cNvPr id="2" name="Content Placeholder 1">
             <a:extLst>
               <a:ext uri="{FF2B5EF4-FFF2-40B4-BE49-F238E27FC236}">
-                <a16:creationId xmlns:a16="http://schemas.microsoft.com/office/drawing/2014/main" id="{95D612B9-68B9-4C9F-98FE-CEE07DB1F00D}"/>
+                <a16:creationId xmlns:a16="http://schemas.microsoft.com/office/drawing/2014/main" id="{F70C9739-9C44-4CB9-B57B-5534E66B3A26}"/>
               </a:ext>
             </a:extLst>
           </p:cNvPr>
@@ -22638,34 +22753,24 @@
             <a:spLocks noGrp="1"/>
           </p:cNvSpPr>
           <p:nvPr>
-            <p:ph type="ctrTitle"/>
+            <p:ph idx="1"/>
           </p:nvPr>
         </p:nvSpPr>
-        <p:spPr>
-          <a:xfrm>
-            <a:off x="6343650" y="2173288"/>
-            <a:ext cx="5143500" cy="2090808"/>
-          </a:xfrm>
-        </p:spPr>
+        <p:spPr/>
         <p:txBody>
-          <a:bodyPr anchor="b">
-            <a:normAutofit/>
-          </a:bodyPr>
+          <a:bodyPr/>
           <a:lstStyle/>
           <a:p>
-            <a:r>
-              <a:rPr lang="en-US" dirty="0"/>
-              <a:t>Thank you!</a:t>
-            </a:r>
+            <a:endParaRPr lang="en-US"/>
           </a:p>
         </p:txBody>
       </p:sp>
       <p:sp>
         <p:nvSpPr>
-          <p:cNvPr id="3" name="Text Placeholder 2">
+          <p:cNvPr id="3" name="Slide Number Placeholder 2">
             <a:extLst>
               <a:ext uri="{FF2B5EF4-FFF2-40B4-BE49-F238E27FC236}">
-                <a16:creationId xmlns:a16="http://schemas.microsoft.com/office/drawing/2014/main" id="{BDD70D1D-A07E-4AB9-A161-B1BA8D151F18}"/>
+                <a16:creationId xmlns:a16="http://schemas.microsoft.com/office/drawing/2014/main" id="{75566D0D-2BFA-4F9A-846C-D13F9EA29ABA}"/>
               </a:ext>
             </a:extLst>
           </p:cNvPr>
@@ -22673,88 +22778,70 @@
             <a:spLocks noGrp="1"/>
           </p:cNvSpPr>
           <p:nvPr>
-            <p:ph type="subTitle" idx="1"/>
+            <p:ph type="sldNum" sz="quarter" idx="12"/>
           </p:nvPr>
         </p:nvSpPr>
-        <p:spPr>
-          <a:xfrm>
-            <a:off x="6343650" y="4279971"/>
-            <a:ext cx="5143500" cy="503167"/>
-          </a:xfrm>
-        </p:spPr>
+        <p:spPr/>
         <p:txBody>
-          <a:bodyPr>
-            <a:normAutofit fontScale="62500" lnSpcReduction="20000"/>
-          </a:bodyPr>
+          <a:bodyPr/>
           <a:lstStyle/>
           <a:p>
-            <a:r>
-              <a:rPr lang="en-US" dirty="0" err="1"/>
-              <a:t>Github</a:t>
-            </a:r>
-            <a:r>
-              <a:rPr lang="en-US" dirty="0"/>
-              <a:t> link</a:t>
-            </a:r>
-          </a:p>
-          <a:p>
-            <a:r>
-              <a:rPr lang="en-US"/>
-              <a:t>https://github.com/msckat11/46220-property-analysis</a:t>
-            </a:r>
-            <a:endParaRPr lang="en-US" dirty="0"/>
+            <a:fld id="{9EC71654-96A5-4280-94F3-931C61A9F92C}" type="slidenum">
+              <a:rPr lang="en-US" noProof="0" smtClean="0"/>
+              <a:pPr/>
+              <a:t>9</a:t>
+            </a:fld>
+            <a:endParaRPr lang="en-US" noProof="0" dirty="0"/>
           </a:p>
         </p:txBody>
       </p:sp>
-      <p:pic>
-        <p:nvPicPr>
-          <p:cNvPr id="6146" name="Picture 2" descr="Best Location in Broad Ripple- Pet-friendly/ - Bungalows for Rent in  Indianapolis, Indiana, United States">
+      <p:sp>
+        <p:nvSpPr>
+          <p:cNvPr id="4" name="Picture Placeholder 3">
             <a:extLst>
               <a:ext uri="{FF2B5EF4-FFF2-40B4-BE49-F238E27FC236}">
-                <a16:creationId xmlns:a16="http://schemas.microsoft.com/office/drawing/2014/main" id="{9B983FBC-A0A2-4DBA-910B-054FE450AC1C}"/>
+                <a16:creationId xmlns:a16="http://schemas.microsoft.com/office/drawing/2014/main" id="{F1E14597-AFBB-4155-869A-38214540772F}"/>
               </a:ext>
             </a:extLst>
           </p:cNvPr>
-          <p:cNvPicPr>
-            <a:picLocks noGrp="1" noChangeAspect="1" noChangeArrowheads="1"/>
-          </p:cNvPicPr>
+          <p:cNvSpPr>
+            <a:spLocks noGrp="1"/>
+          </p:cNvSpPr>
           <p:nvPr>
-            <p:ph type="pic" sz="quarter" idx="10"/>
+            <p:ph type="pic" sz="quarter" idx="13"/>
           </p:nvPr>
-        </p:nvPicPr>
-        <p:blipFill>
-          <a:blip r:embed="rId3">
-            <a:extLst>
-              <a:ext uri="{28A0092B-C50C-407E-A947-70E740481C1C}">
-                <a14:useLocalDpi xmlns:a14="http://schemas.microsoft.com/office/drawing/2010/main" val="0"/>
-              </a:ext>
-            </a:extLst>
-          </a:blip>
-          <a:srcRect l="12500" r="12500"/>
-          <a:stretch>
-            <a:fillRect/>
-          </a:stretch>
-        </p:blipFill>
-        <p:spPr bwMode="auto">
-          <a:prstGeom prst="rect">
-            <a:avLst/>
-          </a:prstGeom>
-          <a:noFill/>
-          <a:extLst>
-            <a:ext uri="{909E8E84-426E-40DD-AFC4-6F175D3DCCD1}">
-              <a14:hiddenFill xmlns:a14="http://schemas.microsoft.com/office/drawing/2010/main">
-                <a:solidFill>
-                  <a:srgbClr val="FFFFFF"/>
-                </a:solidFill>
-              </a14:hiddenFill>
-            </a:ext>
-          </a:extLst>
-        </p:spPr>
-      </p:pic>
+        </p:nvSpPr>
+        <p:spPr/>
+      </p:sp>
+      <p:sp>
+        <p:nvSpPr>
+          <p:cNvPr id="5" name="Title 4">
+            <a:extLst>
+              <a:ext uri="{FF2B5EF4-FFF2-40B4-BE49-F238E27FC236}">
+                <a16:creationId xmlns:a16="http://schemas.microsoft.com/office/drawing/2014/main" id="{276748E2-818D-41C0-AB86-1C14B3B675E9}"/>
+              </a:ext>
+            </a:extLst>
+          </p:cNvPr>
+          <p:cNvSpPr>
+            <a:spLocks noGrp="1"/>
+          </p:cNvSpPr>
+          <p:nvPr>
+            <p:ph type="title"/>
+          </p:nvPr>
+        </p:nvSpPr>
+        <p:spPr/>
+        <p:txBody>
+          <a:bodyPr/>
+          <a:lstStyle/>
+          <a:p>
+            <a:endParaRPr lang="en-US"/>
+          </a:p>
+        </p:txBody>
+      </p:sp>
     </p:spTree>
     <p:extLst>
       <p:ext uri="{BB962C8B-B14F-4D97-AF65-F5344CB8AC3E}">
-        <p14:creationId xmlns:p14="http://schemas.microsoft.com/office/powerpoint/2010/main" val="1124779538"/>
+        <p14:creationId xmlns:p14="http://schemas.microsoft.com/office/powerpoint/2010/main" val="2167384681"/>
       </p:ext>
     </p:extLst>
   </p:cSld>
@@ -23556,6 +23643,14 @@
 </file>
 
 <file path=customXml/item1.xml><?xml version="1.0" encoding="utf-8"?>
+<p:properties xmlns:p="http://schemas.microsoft.com/office/2006/metadata/properties" xmlns:xsi="http://www.w3.org/2001/XMLSchema-instance" xmlns:pc="http://schemas.microsoft.com/office/infopath/2007/PartnerControls">
+  <documentManagement>
+    <MediaServiceKeyPoints xmlns="71af3243-3dd4-4a8d-8c0d-dd76da1f02a5" xsi:nil="true"/>
+  </documentManagement>
+</p:properties>
+</file>
+
+<file path=customXml/item2.xml><?xml version="1.0" encoding="utf-8"?>
 <ct:contentTypeSchema xmlns:ct="http://schemas.microsoft.com/office/2006/metadata/contentType" xmlns:ma="http://schemas.microsoft.com/office/2006/metadata/properties/metaAttributes" ct:_="" ma:_="" ma:contentTypeName="Document" ma:contentTypeID="0x01010079F111ED35F8CC479449609E8A0923A6" ma:contentTypeVersion="11" ma:contentTypeDescription="Create a new document." ma:contentTypeScope="" ma:versionID="9677210f24a1be23c92c90fd886aa0aa">
   <xsd:schema xmlns:xsd="http://www.w3.org/2001/XMLSchema" xmlns:xs="http://www.w3.org/2001/XMLSchema" xmlns:p="http://schemas.microsoft.com/office/2006/metadata/properties" xmlns:ns2="71af3243-3dd4-4a8d-8c0d-dd76da1f02a5" xmlns:ns3="16c05727-aa75-4e4a-9b5f-8a80a1165891" targetNamespace="http://schemas.microsoft.com/office/2006/metadata/properties" ma:root="true" ma:fieldsID="60e05723c5c1908df1a1a4ebf11d344e" ns2:_="" ns3:_="">
     <xsd:import namespace="71af3243-3dd4-4a8d-8c0d-dd76da1f02a5"/>
@@ -23766,14 +23861,6 @@
 </ct:contentTypeSchema>
 </file>
 
-<file path=customXml/item2.xml><?xml version="1.0" encoding="utf-8"?>
-<p:properties xmlns:p="http://schemas.microsoft.com/office/2006/metadata/properties" xmlns:xsi="http://www.w3.org/2001/XMLSchema-instance" xmlns:pc="http://schemas.microsoft.com/office/infopath/2007/PartnerControls">
-  <documentManagement>
-    <MediaServiceKeyPoints xmlns="71af3243-3dd4-4a8d-8c0d-dd76da1f02a5" xsi:nil="true"/>
-  </documentManagement>
-</p:properties>
-</file>
-
 <file path=customXml/item3.xml><?xml version="1.0" encoding="utf-8"?>
 <?mso-contentType ?>
 <FormTemplates xmlns="http://schemas.microsoft.com/sharepoint/v3/contenttype/forms">
@@ -23784,6 +23871,16 @@
 </file>
 
 <file path=customXml/itemProps1.xml><?xml version="1.0" encoding="utf-8"?>
+<ds:datastoreItem xmlns:ds="http://schemas.openxmlformats.org/officeDocument/2006/customXml" ds:itemID="{CEA9B47F-3DD8-4645-81DC-B88780643C07}">
+  <ds:schemaRefs>
+    <ds:schemaRef ds:uri="http://schemas.microsoft.com/office/2006/metadata/properties"/>
+    <ds:schemaRef ds:uri="http://schemas.microsoft.com/office/infopath/2007/PartnerControls"/>
+    <ds:schemaRef ds:uri="71af3243-3dd4-4a8d-8c0d-dd76da1f02a5"/>
+  </ds:schemaRefs>
+</ds:datastoreItem>
+</file>
+
+<file path=customXml/itemProps2.xml><?xml version="1.0" encoding="utf-8"?>
 <ds:datastoreItem xmlns:ds="http://schemas.openxmlformats.org/officeDocument/2006/customXml" ds:itemID="{631071E6-22AE-499A-B09C-BF21CF5F7483}">
   <ds:schemaRefs>
     <ds:schemaRef ds:uri="http://schemas.microsoft.com/office/2006/metadata/contentType"/>
@@ -23802,16 +23899,6 @@
 </ds:datastoreItem>
 </file>
 
-<file path=customXml/itemProps2.xml><?xml version="1.0" encoding="utf-8"?>
-<ds:datastoreItem xmlns:ds="http://schemas.openxmlformats.org/officeDocument/2006/customXml" ds:itemID="{CEA9B47F-3DD8-4645-81DC-B88780643C07}">
-  <ds:schemaRefs>
-    <ds:schemaRef ds:uri="http://schemas.microsoft.com/office/2006/metadata/properties"/>
-    <ds:schemaRef ds:uri="http://schemas.microsoft.com/office/infopath/2007/PartnerControls"/>
-    <ds:schemaRef ds:uri="71af3243-3dd4-4a8d-8c0d-dd76da1f02a5"/>
-  </ds:schemaRefs>
-</ds:datastoreItem>
-</file>
-
 <file path=customXml/itemProps3.xml><?xml version="1.0" encoding="utf-8"?>
 <ds:datastoreItem xmlns:ds="http://schemas.openxmlformats.org/officeDocument/2006/customXml" ds:itemID="{B0C07E3D-60A7-4F4E-8208-D9CCD01982CB}">
   <ds:schemaRefs>
